--- a/70-533-03-Storage.pptx
+++ b/70-533-03-Storage.pptx
@@ -5,10 +5,10 @@
     <p:sldMasterId id="2147483660" r:id="rId1"/>
   </p:sldMasterIdLst>
   <p:notesMasterIdLst>
-    <p:notesMasterId r:id="rId11"/>
+    <p:notesMasterId r:id="rId15"/>
   </p:notesMasterIdLst>
   <p:handoutMasterIdLst>
-    <p:handoutMasterId r:id="rId12"/>
+    <p:handoutMasterId r:id="rId16"/>
   </p:handoutMasterIdLst>
   <p:sldIdLst>
     <p:sldId id="256" r:id="rId2"/>
@@ -18,51 +18,55 @@
     <p:sldId id="315" r:id="rId6"/>
     <p:sldId id="316" r:id="rId7"/>
     <p:sldId id="318" r:id="rId8"/>
-    <p:sldId id="309" r:id="rId9"/>
-    <p:sldId id="310" r:id="rId10"/>
+    <p:sldId id="319" r:id="rId9"/>
+    <p:sldId id="320" r:id="rId10"/>
+    <p:sldId id="321" r:id="rId11"/>
+    <p:sldId id="322" r:id="rId12"/>
+    <p:sldId id="309" r:id="rId13"/>
+    <p:sldId id="310" r:id="rId14"/>
   </p:sldIdLst>
   <p:sldSz cx="9144000" cy="6858000" type="screen4x3"/>
   <p:notesSz cx="6858000" cy="9144000"/>
   <p:embeddedFontLst>
     <p:embeddedFont>
-      <p:font typeface="Segoe UI" panose="020B0502040204020203" pitchFamily="34" charset="0"/>
-      <p:regular r:id="rId13"/>
-      <p:bold r:id="rId14"/>
-      <p:italic r:id="rId15"/>
-      <p:boldItalic r:id="rId16"/>
-    </p:embeddedFont>
-    <p:embeddedFont>
-      <p:font typeface="Verdana" panose="020B0604030504040204" pitchFamily="34" charset="0"/>
+      <p:font typeface="Consolas" panose="020B0609020204030204" pitchFamily="49" charset="0"/>
       <p:regular r:id="rId17"/>
       <p:bold r:id="rId18"/>
       <p:italic r:id="rId19"/>
       <p:boldItalic r:id="rId20"/>
     </p:embeddedFont>
     <p:embeddedFont>
-      <p:font typeface="Segoe UI Light" panose="020B0502040204020203" pitchFamily="34" charset="0"/>
+      <p:font typeface="Calibri" panose="020F0502020204030204" pitchFamily="34" charset="0"/>
       <p:regular r:id="rId21"/>
-      <p:italic r:id="rId22"/>
-    </p:embeddedFont>
-    <p:embeddedFont>
-      <p:font typeface="Consolas" panose="020B0609020204030204" pitchFamily="49" charset="0"/>
-      <p:regular r:id="rId23"/>
-      <p:bold r:id="rId24"/>
-      <p:italic r:id="rId25"/>
-      <p:boldItalic r:id="rId26"/>
+      <p:bold r:id="rId22"/>
+      <p:italic r:id="rId23"/>
+      <p:boldItalic r:id="rId24"/>
     </p:embeddedFont>
     <p:embeddedFont>
       <p:font typeface="Segoe" panose="020B0604020202020204" charset="0"/>
-      <p:regular r:id="rId27"/>
-      <p:bold r:id="rId28"/>
-      <p:italic r:id="rId29"/>
-      <p:boldItalic r:id="rId30"/>
+      <p:regular r:id="rId25"/>
+      <p:bold r:id="rId26"/>
+      <p:italic r:id="rId27"/>
+      <p:boldItalic r:id="rId28"/>
     </p:embeddedFont>
     <p:embeddedFont>
-      <p:font typeface="Calibri" panose="020F0502020204030204" pitchFamily="34" charset="0"/>
-      <p:regular r:id="rId31"/>
-      <p:bold r:id="rId32"/>
-      <p:italic r:id="rId33"/>
-      <p:boldItalic r:id="rId34"/>
+      <p:font typeface="Segoe UI" panose="020B0502040204020203" pitchFamily="34" charset="0"/>
+      <p:regular r:id="rId29"/>
+      <p:bold r:id="rId30"/>
+      <p:italic r:id="rId31"/>
+      <p:boldItalic r:id="rId32"/>
+    </p:embeddedFont>
+    <p:embeddedFont>
+      <p:font typeface="Segoe UI Light" panose="020B0502040204020203" pitchFamily="34" charset="0"/>
+      <p:regular r:id="rId33"/>
+      <p:italic r:id="rId34"/>
+    </p:embeddedFont>
+    <p:embeddedFont>
+      <p:font typeface="Verdana" panose="020B0604030504040204" pitchFamily="34" charset="0"/>
+      <p:regular r:id="rId35"/>
+      <p:bold r:id="rId36"/>
+      <p:italic r:id="rId37"/>
+      <p:boldItalic r:id="rId38"/>
     </p:embeddedFont>
   </p:embeddedFontLst>
   <p:defaultTextStyle>
@@ -224,8 +228,12 @@
             <p14:sldId id="318"/>
           </p14:sldIdLst>
         </p14:section>
-        <p14:section name="Manage Containers with Azure Container Services (ACS)" id="{8462B454-DCB7-4718-BC7C-16D8C399AB26}">
+        <p14:section name="Untitled Section" id="{122B832B-B837-4A59-8FAB-70325ACC116D}">
           <p14:sldIdLst>
+            <p14:sldId id="319"/>
+            <p14:sldId id="320"/>
+            <p14:sldId id="321"/>
+            <p14:sldId id="322"/>
             <p14:sldId id="309"/>
             <p14:sldId id="310"/>
           </p14:sldIdLst>
@@ -336,7 +344,7 @@
           <a:p>
             <a:fld id="{7D784404-57E5-4341-9230-5EC072B8C3C5}" type="datetimeFigureOut">
               <a:rPr lang="en-US" smtClean="0"/>
-              <a:t>1/23/2018</a:t>
+              <a:t>1/24/2018</a:t>
             </a:fld>
             <a:endParaRPr lang="en-US"/>
           </a:p>
@@ -513,7 +521,7 @@
           <a:p>
             <a:fld id="{9933EFA3-31EF-403B-8080-9776000D59FF}" type="datetimeFigureOut">
               <a:rPr lang="en-US" smtClean="0"/>
-              <a:t>1/23/2018</a:t>
+              <a:t>1/24/2018</a:t>
             </a:fld>
             <a:endParaRPr lang="en-US" dirty="0"/>
           </a:p>
@@ -1516,6 +1524,522 @@
 </p:notes>
 </file>
 
+<file path=ppt/notesSlides/notesSlide10.xml><?xml version="1.0" encoding="utf-8"?>
+<p:notes xmlns:a="http://schemas.openxmlformats.org/drawingml/2006/main" xmlns:r="http://schemas.openxmlformats.org/officeDocument/2006/relationships" xmlns:p="http://schemas.openxmlformats.org/presentationml/2006/main">
+  <p:cSld>
+    <p:spTree>
+      <p:nvGrpSpPr>
+        <p:cNvPr id="1" name=""/>
+        <p:cNvGrpSpPr/>
+        <p:nvPr/>
+      </p:nvGrpSpPr>
+      <p:grpSpPr>
+        <a:xfrm>
+          <a:off x="0" y="0"/>
+          <a:ext cx="0" cy="0"/>
+          <a:chOff x="0" y="0"/>
+          <a:chExt cx="0" cy="0"/>
+        </a:xfrm>
+      </p:grpSpPr>
+      <p:sp>
+        <p:nvSpPr>
+          <p:cNvPr id="2" name="Slide Image Placeholder 1"/>
+          <p:cNvSpPr>
+            <a:spLocks noGrp="1" noRot="1" noChangeAspect="1"/>
+          </p:cNvSpPr>
+          <p:nvPr>
+            <p:ph type="sldImg"/>
+          </p:nvPr>
+        </p:nvSpPr>
+        <p:spPr>
+          <a:xfrm>
+            <a:off x="4325938" y="73025"/>
+            <a:ext cx="2466975" cy="1851025"/>
+          </a:xfrm>
+        </p:spPr>
+      </p:sp>
+      <p:sp>
+        <p:nvSpPr>
+          <p:cNvPr id="3" name="Notes Placeholder 2"/>
+          <p:cNvSpPr>
+            <a:spLocks noGrp="1"/>
+          </p:cNvSpPr>
+          <p:nvPr>
+            <p:ph type="body" idx="1"/>
+          </p:nvPr>
+        </p:nvSpPr>
+        <p:spPr/>
+        <p:txBody>
+          <a:bodyPr/>
+          <a:lstStyle/>
+          <a:p>
+            <a:endParaRPr lang="en-US"/>
+          </a:p>
+        </p:txBody>
+      </p:sp>
+      <p:sp>
+        <p:nvSpPr>
+          <p:cNvPr id="4" name="Slide Number Placeholder 3"/>
+          <p:cNvSpPr>
+            <a:spLocks noGrp="1"/>
+          </p:cNvSpPr>
+          <p:nvPr>
+            <p:ph type="sldNum" sz="quarter" idx="10"/>
+          </p:nvPr>
+        </p:nvSpPr>
+        <p:spPr/>
+        <p:txBody>
+          <a:bodyPr/>
+          <a:lstStyle/>
+          <a:p>
+            <a:fld id="{F19E9337-0361-41F3-9C17-1F4FFD1214BA}" type="slidenum">
+              <a:rPr lang="en-US" smtClean="0"/>
+              <a:t>10</a:t>
+            </a:fld>
+            <a:endParaRPr lang="en-US" dirty="0"/>
+          </a:p>
+        </p:txBody>
+      </p:sp>
+    </p:spTree>
+    <p:extLst>
+      <p:ext uri="{BB962C8B-B14F-4D97-AF65-F5344CB8AC3E}">
+        <p14:creationId xmlns:p14="http://schemas.microsoft.com/office/powerpoint/2010/main" val="1156030468"/>
+      </p:ext>
+    </p:extLst>
+  </p:cSld>
+  <p:clrMapOvr>
+    <a:masterClrMapping/>
+  </p:clrMapOvr>
+</p:notes>
+</file>
+
+<file path=ppt/notesSlides/notesSlide11.xml><?xml version="1.0" encoding="utf-8"?>
+<p:notes xmlns:a="http://schemas.openxmlformats.org/drawingml/2006/main" xmlns:r="http://schemas.openxmlformats.org/officeDocument/2006/relationships" xmlns:p="http://schemas.openxmlformats.org/presentationml/2006/main">
+  <p:cSld>
+    <p:spTree>
+      <p:nvGrpSpPr>
+        <p:cNvPr id="1" name=""/>
+        <p:cNvGrpSpPr/>
+        <p:nvPr/>
+      </p:nvGrpSpPr>
+      <p:grpSpPr>
+        <a:xfrm>
+          <a:off x="0" y="0"/>
+          <a:ext cx="0" cy="0"/>
+          <a:chOff x="0" y="0"/>
+          <a:chExt cx="0" cy="0"/>
+        </a:xfrm>
+      </p:grpSpPr>
+      <p:sp>
+        <p:nvSpPr>
+          <p:cNvPr id="2" name="Slide Image Placeholder 1"/>
+          <p:cNvSpPr>
+            <a:spLocks noGrp="1" noRot="1" noChangeAspect="1"/>
+          </p:cNvSpPr>
+          <p:nvPr>
+            <p:ph type="sldImg"/>
+          </p:nvPr>
+        </p:nvSpPr>
+        <p:spPr>
+          <a:xfrm>
+            <a:off x="4325938" y="73025"/>
+            <a:ext cx="2466975" cy="1851025"/>
+          </a:xfrm>
+        </p:spPr>
+      </p:sp>
+      <p:sp>
+        <p:nvSpPr>
+          <p:cNvPr id="3" name="Notes Placeholder 2"/>
+          <p:cNvSpPr>
+            <a:spLocks noGrp="1"/>
+          </p:cNvSpPr>
+          <p:nvPr>
+            <p:ph type="body" idx="1"/>
+          </p:nvPr>
+        </p:nvSpPr>
+        <p:spPr/>
+        <p:txBody>
+          <a:bodyPr/>
+          <a:lstStyle/>
+          <a:p>
+            <a:endParaRPr lang="en-US"/>
+          </a:p>
+        </p:txBody>
+      </p:sp>
+      <p:sp>
+        <p:nvSpPr>
+          <p:cNvPr id="4" name="Slide Number Placeholder 3"/>
+          <p:cNvSpPr>
+            <a:spLocks noGrp="1"/>
+          </p:cNvSpPr>
+          <p:nvPr>
+            <p:ph type="sldNum" sz="quarter" idx="10"/>
+          </p:nvPr>
+        </p:nvSpPr>
+        <p:spPr/>
+        <p:txBody>
+          <a:bodyPr/>
+          <a:lstStyle/>
+          <a:p>
+            <a:fld id="{F19E9337-0361-41F3-9C17-1F4FFD1214BA}" type="slidenum">
+              <a:rPr lang="en-US" smtClean="0"/>
+              <a:t>11</a:t>
+            </a:fld>
+            <a:endParaRPr lang="en-US" dirty="0"/>
+          </a:p>
+        </p:txBody>
+      </p:sp>
+    </p:spTree>
+    <p:extLst>
+      <p:ext uri="{BB962C8B-B14F-4D97-AF65-F5344CB8AC3E}">
+        <p14:creationId xmlns:p14="http://schemas.microsoft.com/office/powerpoint/2010/main" val="2171135478"/>
+      </p:ext>
+    </p:extLst>
+  </p:cSld>
+  <p:clrMapOvr>
+    <a:masterClrMapping/>
+  </p:clrMapOvr>
+</p:notes>
+</file>
+
+<file path=ppt/notesSlides/notesSlide12.xml><?xml version="1.0" encoding="utf-8"?>
+<p:notes xmlns:a="http://schemas.openxmlformats.org/drawingml/2006/main" xmlns:r="http://schemas.openxmlformats.org/officeDocument/2006/relationships" xmlns:p="http://schemas.openxmlformats.org/presentationml/2006/main">
+  <p:cSld>
+    <p:spTree>
+      <p:nvGrpSpPr>
+        <p:cNvPr id="1" name=""/>
+        <p:cNvGrpSpPr/>
+        <p:nvPr/>
+      </p:nvGrpSpPr>
+      <p:grpSpPr>
+        <a:xfrm>
+          <a:off x="0" y="0"/>
+          <a:ext cx="0" cy="0"/>
+          <a:chOff x="0" y="0"/>
+          <a:chExt cx="0" cy="0"/>
+        </a:xfrm>
+      </p:grpSpPr>
+      <p:sp>
+        <p:nvSpPr>
+          <p:cNvPr id="2" name="Slide Image Placeholder 1"/>
+          <p:cNvSpPr>
+            <a:spLocks noGrp="1" noRot="1" noChangeAspect="1"/>
+          </p:cNvSpPr>
+          <p:nvPr>
+            <p:ph type="sldImg"/>
+          </p:nvPr>
+        </p:nvSpPr>
+        <p:spPr>
+          <a:xfrm>
+            <a:off x="4325938" y="73025"/>
+            <a:ext cx="2466975" cy="1851025"/>
+          </a:xfrm>
+        </p:spPr>
+      </p:sp>
+      <p:sp>
+        <p:nvSpPr>
+          <p:cNvPr id="3" name="Notes Placeholder 2"/>
+          <p:cNvSpPr>
+            <a:spLocks noGrp="1"/>
+          </p:cNvSpPr>
+          <p:nvPr>
+            <p:ph type="body" idx="1"/>
+          </p:nvPr>
+        </p:nvSpPr>
+        <p:spPr/>
+        <p:txBody>
+          <a:bodyPr/>
+          <a:lstStyle/>
+          <a:p>
+            <a:endParaRPr lang="en-IE" sz="1000" baseline="0" dirty="0">
+              <a:latin typeface="Segoe" panose="020B0502040504020203" pitchFamily="34" charset="0"/>
+            </a:endParaRPr>
+          </a:p>
+        </p:txBody>
+      </p:sp>
+      <p:sp>
+        <p:nvSpPr>
+          <p:cNvPr id="4" name="Slide Number Placeholder 3"/>
+          <p:cNvSpPr>
+            <a:spLocks noGrp="1"/>
+          </p:cNvSpPr>
+          <p:nvPr>
+            <p:ph type="sldNum" sz="quarter" idx="10"/>
+          </p:nvPr>
+        </p:nvSpPr>
+        <p:spPr/>
+        <p:txBody>
+          <a:bodyPr/>
+          <a:lstStyle/>
+          <a:p>
+            <a:fld id="{E2FF7759-803D-4F76-9AEC-98B2D9A07B0D}" type="slidenum">
+              <a:rPr lang="en-US" smtClean="0"/>
+              <a:pPr/>
+              <a:t>12</a:t>
+            </a:fld>
+            <a:endParaRPr lang="en-US" dirty="0"/>
+          </a:p>
+        </p:txBody>
+      </p:sp>
+      <p:sp>
+        <p:nvSpPr>
+          <p:cNvPr id="5" name="Rectangle 3"/>
+          <p:cNvSpPr>
+            <a:spLocks noGrp="1" noChangeArrowheads="1"/>
+          </p:cNvSpPr>
+          <p:nvPr>
+            <p:ph type="dt" sz="quarter" idx="1"/>
+          </p:nvPr>
+        </p:nvSpPr>
+        <p:spPr>
+          <a:xfrm>
+            <a:off x="264815" y="186683"/>
+            <a:ext cx="1955088" cy="485365"/>
+          </a:xfrm>
+        </p:spPr>
+        <p:txBody>
+          <a:bodyPr/>
+          <a:lstStyle/>
+          <a:p>
+            <a:pPr algn="l">
+              <a:defRPr/>
+            </a:pPr>
+            <a:r>
+              <a:rPr lang="en-US" b="1" dirty="0">
+                <a:latin typeface="Arial" pitchFamily="34" charset="0"/>
+                <a:cs typeface="Arial" pitchFamily="34" charset="0"/>
+              </a:rPr>
+              <a:t>Course 20533D</a:t>
+            </a:r>
+          </a:p>
+          <a:p>
+            <a:pPr algn="l">
+              <a:defRPr/>
+            </a:pPr>
+            <a:r>
+              <a:rPr lang="en-US" b="1" dirty="0">
+                <a:solidFill>
+                  <a:srgbClr val="336699"/>
+                </a:solidFill>
+                <a:latin typeface="Arial" pitchFamily="34" charset="0"/>
+                <a:cs typeface="Arial" pitchFamily="34" charset="0"/>
+              </a:rPr>
+              <a:t>Module</a:t>
+            </a:r>
+            <a:r>
+              <a:rPr lang="en-US" b="1" dirty="0">
+                <a:latin typeface="Arial" pitchFamily="34" charset="0"/>
+                <a:cs typeface="Arial" pitchFamily="34" charset="0"/>
+              </a:rPr>
+              <a:t> </a:t>
+            </a:r>
+            <a:r>
+              <a:rPr lang="en-US" b="1" dirty="0">
+                <a:solidFill>
+                  <a:srgbClr val="336699"/>
+                </a:solidFill>
+                <a:latin typeface="Arial" pitchFamily="34" charset="0"/>
+                <a:cs typeface="Arial" pitchFamily="34" charset="0"/>
+              </a:rPr>
+              <a:t>0: Introduction</a:t>
+            </a:r>
+          </a:p>
+          <a:p>
+            <a:pPr>
+              <a:defRPr/>
+            </a:pPr>
+            <a:endParaRPr lang="en-US" dirty="0"/>
+          </a:p>
+          <a:p>
+            <a:pPr>
+              <a:defRPr/>
+            </a:pPr>
+            <a:endParaRPr lang="en-US" dirty="0"/>
+          </a:p>
+        </p:txBody>
+      </p:sp>
+    </p:spTree>
+    <p:extLst>
+      <p:ext uri="{BB962C8B-B14F-4D97-AF65-F5344CB8AC3E}">
+        <p14:creationId xmlns:p14="http://schemas.microsoft.com/office/powerpoint/2010/main" val="468583715"/>
+      </p:ext>
+    </p:extLst>
+  </p:cSld>
+  <p:clrMapOvr>
+    <a:masterClrMapping/>
+  </p:clrMapOvr>
+</p:notes>
+</file>
+
+<file path=ppt/notesSlides/notesSlide13.xml><?xml version="1.0" encoding="utf-8"?>
+<p:notes xmlns:a="http://schemas.openxmlformats.org/drawingml/2006/main" xmlns:r="http://schemas.openxmlformats.org/officeDocument/2006/relationships" xmlns:p="http://schemas.openxmlformats.org/presentationml/2006/main">
+  <p:cSld>
+    <p:spTree>
+      <p:nvGrpSpPr>
+        <p:cNvPr id="1" name=""/>
+        <p:cNvGrpSpPr/>
+        <p:nvPr/>
+      </p:nvGrpSpPr>
+      <p:grpSpPr>
+        <a:xfrm>
+          <a:off x="0" y="0"/>
+          <a:ext cx="0" cy="0"/>
+          <a:chOff x="0" y="0"/>
+          <a:chExt cx="0" cy="0"/>
+        </a:xfrm>
+      </p:grpSpPr>
+      <p:sp>
+        <p:nvSpPr>
+          <p:cNvPr id="2" name="Slide Image Placeholder 1"/>
+          <p:cNvSpPr>
+            <a:spLocks noGrp="1" noRot="1" noChangeAspect="1"/>
+          </p:cNvSpPr>
+          <p:nvPr>
+            <p:ph type="sldImg"/>
+          </p:nvPr>
+        </p:nvSpPr>
+        <p:spPr>
+          <a:xfrm>
+            <a:off x="4325938" y="73025"/>
+            <a:ext cx="2466975" cy="1851025"/>
+          </a:xfrm>
+        </p:spPr>
+      </p:sp>
+      <p:sp>
+        <p:nvSpPr>
+          <p:cNvPr id="3" name="Notes Placeholder 2"/>
+          <p:cNvSpPr>
+            <a:spLocks noGrp="1"/>
+          </p:cNvSpPr>
+          <p:nvPr>
+            <p:ph type="body" idx="1"/>
+          </p:nvPr>
+        </p:nvSpPr>
+        <p:spPr/>
+        <p:txBody>
+          <a:bodyPr/>
+          <a:lstStyle/>
+          <a:p>
+            <a:endParaRPr lang="en-IE" sz="1000" baseline="0" dirty="0">
+              <a:latin typeface="Segoe" panose="020B0502040504020203" pitchFamily="34" charset="0"/>
+            </a:endParaRPr>
+          </a:p>
+        </p:txBody>
+      </p:sp>
+      <p:sp>
+        <p:nvSpPr>
+          <p:cNvPr id="4" name="Slide Number Placeholder 3"/>
+          <p:cNvSpPr>
+            <a:spLocks noGrp="1"/>
+          </p:cNvSpPr>
+          <p:nvPr>
+            <p:ph type="sldNum" sz="quarter" idx="10"/>
+          </p:nvPr>
+        </p:nvSpPr>
+        <p:spPr/>
+        <p:txBody>
+          <a:bodyPr/>
+          <a:lstStyle/>
+          <a:p>
+            <a:fld id="{E2FF7759-803D-4F76-9AEC-98B2D9A07B0D}" type="slidenum">
+              <a:rPr lang="en-US" smtClean="0"/>
+              <a:pPr/>
+              <a:t>13</a:t>
+            </a:fld>
+            <a:endParaRPr lang="en-US" dirty="0"/>
+          </a:p>
+        </p:txBody>
+      </p:sp>
+      <p:sp>
+        <p:nvSpPr>
+          <p:cNvPr id="5" name="Rectangle 3"/>
+          <p:cNvSpPr>
+            <a:spLocks noGrp="1" noChangeArrowheads="1"/>
+          </p:cNvSpPr>
+          <p:nvPr>
+            <p:ph type="dt" sz="quarter" idx="1"/>
+          </p:nvPr>
+        </p:nvSpPr>
+        <p:spPr>
+          <a:xfrm>
+            <a:off x="264815" y="186683"/>
+            <a:ext cx="1955088" cy="485365"/>
+          </a:xfrm>
+        </p:spPr>
+        <p:txBody>
+          <a:bodyPr/>
+          <a:lstStyle/>
+          <a:p>
+            <a:pPr algn="l">
+              <a:defRPr/>
+            </a:pPr>
+            <a:r>
+              <a:rPr lang="en-US" b="1" dirty="0">
+                <a:latin typeface="Arial" pitchFamily="34" charset="0"/>
+                <a:cs typeface="Arial" pitchFamily="34" charset="0"/>
+              </a:rPr>
+              <a:t>Course 20533D</a:t>
+            </a:r>
+          </a:p>
+          <a:p>
+            <a:pPr algn="l">
+              <a:defRPr/>
+            </a:pPr>
+            <a:r>
+              <a:rPr lang="en-US" b="1" dirty="0">
+                <a:solidFill>
+                  <a:srgbClr val="336699"/>
+                </a:solidFill>
+                <a:latin typeface="Arial" pitchFamily="34" charset="0"/>
+                <a:cs typeface="Arial" pitchFamily="34" charset="0"/>
+              </a:rPr>
+              <a:t>Module</a:t>
+            </a:r>
+            <a:r>
+              <a:rPr lang="en-US" b="1" dirty="0">
+                <a:latin typeface="Arial" pitchFamily="34" charset="0"/>
+                <a:cs typeface="Arial" pitchFamily="34" charset="0"/>
+              </a:rPr>
+              <a:t> </a:t>
+            </a:r>
+            <a:r>
+              <a:rPr lang="en-US" b="1" dirty="0">
+                <a:solidFill>
+                  <a:srgbClr val="336699"/>
+                </a:solidFill>
+                <a:latin typeface="Arial" pitchFamily="34" charset="0"/>
+                <a:cs typeface="Arial" pitchFamily="34" charset="0"/>
+              </a:rPr>
+              <a:t>0: Introduction</a:t>
+            </a:r>
+          </a:p>
+          <a:p>
+            <a:pPr>
+              <a:defRPr/>
+            </a:pPr>
+            <a:endParaRPr lang="en-US" dirty="0"/>
+          </a:p>
+          <a:p>
+            <a:pPr>
+              <a:defRPr/>
+            </a:pPr>
+            <a:endParaRPr lang="en-US" dirty="0"/>
+          </a:p>
+        </p:txBody>
+      </p:sp>
+    </p:spTree>
+    <p:extLst>
+      <p:ext uri="{BB962C8B-B14F-4D97-AF65-F5344CB8AC3E}">
+        <p14:creationId xmlns:p14="http://schemas.microsoft.com/office/powerpoint/2010/main" val="1487420928"/>
+      </p:ext>
+    </p:extLst>
+  </p:cSld>
+  <p:clrMapOvr>
+    <a:masterClrMapping/>
+  </p:clrMapOvr>
+</p:notes>
+</file>
+
 <file path=ppt/notesSlides/notesSlide2.xml><?xml version="1.0" encoding="utf-8"?>
 <p:notes xmlns:a="http://schemas.openxmlformats.org/drawingml/2006/main" xmlns:r="http://schemas.openxmlformats.org/officeDocument/2006/relationships" xmlns:p="http://schemas.openxmlformats.org/presentationml/2006/main">
   <p:cSld>
@@ -2099,9 +2623,7 @@
           <a:bodyPr/>
           <a:lstStyle/>
           <a:p>
-            <a:endParaRPr lang="en-IE" sz="1000" baseline="0" dirty="0">
-              <a:latin typeface="Segoe" panose="020B0502040504020203" pitchFamily="34" charset="0"/>
-            </a:endParaRPr>
+            <a:endParaRPr lang="en-US"/>
           </a:p>
         </p:txBody>
       </p:sp>
@@ -2120,96 +2642,18 @@
           <a:bodyPr/>
           <a:lstStyle/>
           <a:p>
-            <a:fld id="{E2FF7759-803D-4F76-9AEC-98B2D9A07B0D}" type="slidenum">
+            <a:fld id="{F19E9337-0361-41F3-9C17-1F4FFD1214BA}" type="slidenum">
               <a:rPr lang="en-US" smtClean="0"/>
-              <a:pPr/>
               <a:t>8</a:t>
             </a:fld>
             <a:endParaRPr lang="en-US" dirty="0"/>
           </a:p>
         </p:txBody>
       </p:sp>
-      <p:sp>
-        <p:nvSpPr>
-          <p:cNvPr id="5" name="Rectangle 3"/>
-          <p:cNvSpPr>
-            <a:spLocks noGrp="1" noChangeArrowheads="1"/>
-          </p:cNvSpPr>
-          <p:nvPr>
-            <p:ph type="dt" sz="quarter" idx="1"/>
-          </p:nvPr>
-        </p:nvSpPr>
-        <p:spPr>
-          <a:xfrm>
-            <a:off x="264815" y="186683"/>
-            <a:ext cx="1955088" cy="485365"/>
-          </a:xfrm>
-        </p:spPr>
-        <p:txBody>
-          <a:bodyPr/>
-          <a:lstStyle/>
-          <a:p>
-            <a:pPr algn="l">
-              <a:defRPr/>
-            </a:pPr>
-            <a:r>
-              <a:rPr lang="en-US" b="1" dirty="0">
-                <a:latin typeface="Arial" pitchFamily="34" charset="0"/>
-                <a:cs typeface="Arial" pitchFamily="34" charset="0"/>
-              </a:rPr>
-              <a:t>Course 20533D</a:t>
-            </a:r>
-          </a:p>
-          <a:p>
-            <a:pPr algn="l">
-              <a:defRPr/>
-            </a:pPr>
-            <a:r>
-              <a:rPr lang="en-US" b="1" dirty="0">
-                <a:solidFill>
-                  <a:srgbClr val="336699"/>
-                </a:solidFill>
-                <a:latin typeface="Arial" pitchFamily="34" charset="0"/>
-                <a:cs typeface="Arial" pitchFamily="34" charset="0"/>
-              </a:rPr>
-              <a:t>Module</a:t>
-            </a:r>
-            <a:r>
-              <a:rPr lang="en-US" b="1" dirty="0">
-                <a:latin typeface="Arial" pitchFamily="34" charset="0"/>
-                <a:cs typeface="Arial" pitchFamily="34" charset="0"/>
-              </a:rPr>
-              <a:t> </a:t>
-            </a:r>
-            <a:r>
-              <a:rPr lang="en-US" b="1" dirty="0">
-                <a:solidFill>
-                  <a:srgbClr val="336699"/>
-                </a:solidFill>
-                <a:latin typeface="Arial" pitchFamily="34" charset="0"/>
-                <a:cs typeface="Arial" pitchFamily="34" charset="0"/>
-              </a:rPr>
-              <a:t>0: Introduction</a:t>
-            </a:r>
-          </a:p>
-          <a:p>
-            <a:pPr>
-              <a:defRPr/>
-            </a:pPr>
-            <a:endParaRPr lang="en-US" dirty="0"/>
-          </a:p>
-          <a:p>
-            <a:pPr>
-              <a:defRPr/>
-            </a:pPr>
-            <a:endParaRPr lang="en-US" dirty="0"/>
-          </a:p>
-        </p:txBody>
-      </p:sp>
     </p:spTree>
     <p:extLst>
       <p:ext uri="{BB962C8B-B14F-4D97-AF65-F5344CB8AC3E}">
-        <p14:creationId xmlns:p14="http://schemas.microsoft.com/office/powerpoint/2010/main" val="468583715"/>
+        <p14:creationId xmlns:p14="http://schemas.microsoft.com/office/powerpoint/2010/main" val="3832077970"/>
       </p:ext>
     </p:extLst>
   </p:cSld>
@@ -2268,9 +2712,7 @@
           <a:bodyPr/>
           <a:lstStyle/>
           <a:p>
-            <a:endParaRPr lang="en-IE" sz="1000" baseline="0" dirty="0">
-              <a:latin typeface="Segoe" panose="020B0502040504020203" pitchFamily="34" charset="0"/>
-            </a:endParaRPr>
+            <a:endParaRPr lang="en-US"/>
           </a:p>
         </p:txBody>
       </p:sp>
@@ -2289,96 +2731,18 @@
           <a:bodyPr/>
           <a:lstStyle/>
           <a:p>
-            <a:fld id="{E2FF7759-803D-4F76-9AEC-98B2D9A07B0D}" type="slidenum">
+            <a:fld id="{F19E9337-0361-41F3-9C17-1F4FFD1214BA}" type="slidenum">
               <a:rPr lang="en-US" smtClean="0"/>
-              <a:pPr/>
               <a:t>9</a:t>
             </a:fld>
             <a:endParaRPr lang="en-US" dirty="0"/>
           </a:p>
         </p:txBody>
       </p:sp>
-      <p:sp>
-        <p:nvSpPr>
-          <p:cNvPr id="5" name="Rectangle 3"/>
-          <p:cNvSpPr>
-            <a:spLocks noGrp="1" noChangeArrowheads="1"/>
-          </p:cNvSpPr>
-          <p:nvPr>
-            <p:ph type="dt" sz="quarter" idx="1"/>
-          </p:nvPr>
-        </p:nvSpPr>
-        <p:spPr>
-          <a:xfrm>
-            <a:off x="264815" y="186683"/>
-            <a:ext cx="1955088" cy="485365"/>
-          </a:xfrm>
-        </p:spPr>
-        <p:txBody>
-          <a:bodyPr/>
-          <a:lstStyle/>
-          <a:p>
-            <a:pPr algn="l">
-              <a:defRPr/>
-            </a:pPr>
-            <a:r>
-              <a:rPr lang="en-US" b="1" dirty="0">
-                <a:latin typeface="Arial" pitchFamily="34" charset="0"/>
-                <a:cs typeface="Arial" pitchFamily="34" charset="0"/>
-              </a:rPr>
-              <a:t>Course 20533D</a:t>
-            </a:r>
-          </a:p>
-          <a:p>
-            <a:pPr algn="l">
-              <a:defRPr/>
-            </a:pPr>
-            <a:r>
-              <a:rPr lang="en-US" b="1" dirty="0">
-                <a:solidFill>
-                  <a:srgbClr val="336699"/>
-                </a:solidFill>
-                <a:latin typeface="Arial" pitchFamily="34" charset="0"/>
-                <a:cs typeface="Arial" pitchFamily="34" charset="0"/>
-              </a:rPr>
-              <a:t>Module</a:t>
-            </a:r>
-            <a:r>
-              <a:rPr lang="en-US" b="1" dirty="0">
-                <a:latin typeface="Arial" pitchFamily="34" charset="0"/>
-                <a:cs typeface="Arial" pitchFamily="34" charset="0"/>
-              </a:rPr>
-              <a:t> </a:t>
-            </a:r>
-            <a:r>
-              <a:rPr lang="en-US" b="1" dirty="0">
-                <a:solidFill>
-                  <a:srgbClr val="336699"/>
-                </a:solidFill>
-                <a:latin typeface="Arial" pitchFamily="34" charset="0"/>
-                <a:cs typeface="Arial" pitchFamily="34" charset="0"/>
-              </a:rPr>
-              <a:t>0: Introduction</a:t>
-            </a:r>
-          </a:p>
-          <a:p>
-            <a:pPr>
-              <a:defRPr/>
-            </a:pPr>
-            <a:endParaRPr lang="en-US" dirty="0"/>
-          </a:p>
-          <a:p>
-            <a:pPr>
-              <a:defRPr/>
-            </a:pPr>
-            <a:endParaRPr lang="en-US" dirty="0"/>
-          </a:p>
-        </p:txBody>
-      </p:sp>
     </p:spTree>
     <p:extLst>
       <p:ext uri="{BB962C8B-B14F-4D97-AF65-F5344CB8AC3E}">
-        <p14:creationId xmlns:p14="http://schemas.microsoft.com/office/powerpoint/2010/main" val="1487420928"/>
+        <p14:creationId xmlns:p14="http://schemas.microsoft.com/office/powerpoint/2010/main" val="926659171"/>
       </p:ext>
     </p:extLst>
   </p:cSld>
@@ -2691,6 +3055,161 @@
 </file>
 
 <file path=ppt/slideLayouts/slideLayout10.xml><?xml version="1.0" encoding="utf-8"?>
+<p:sldLayout xmlns:a="http://schemas.openxmlformats.org/drawingml/2006/main" xmlns:r="http://schemas.openxmlformats.org/officeDocument/2006/relationships" xmlns:p="http://schemas.openxmlformats.org/presentationml/2006/main" preserve="1" userDrawn="1">
+  <p:cSld name="Custom Layout">
+    <p:spTree>
+      <p:nvGrpSpPr>
+        <p:cNvPr id="1" name=""/>
+        <p:cNvGrpSpPr/>
+        <p:nvPr/>
+      </p:nvGrpSpPr>
+      <p:grpSpPr>
+        <a:xfrm>
+          <a:off x="0" y="0"/>
+          <a:ext cx="0" cy="0"/>
+          <a:chOff x="0" y="0"/>
+          <a:chExt cx="0" cy="0"/>
+        </a:xfrm>
+      </p:grpSpPr>
+      <p:sp>
+        <p:nvSpPr>
+          <p:cNvPr id="2" name="Title 1">
+            <a:extLst>
+              <a:ext uri="{FF2B5EF4-FFF2-40B4-BE49-F238E27FC236}">
+                <a16:creationId xmlns:a16="http://schemas.microsoft.com/office/drawing/2014/main" id="{F523216E-3091-410D-83D4-F3B694551529}"/>
+              </a:ext>
+            </a:extLst>
+          </p:cNvPr>
+          <p:cNvSpPr>
+            <a:spLocks noGrp="1"/>
+          </p:cNvSpPr>
+          <p:nvPr>
+            <p:ph type="title" hasCustomPrompt="1"/>
+          </p:nvPr>
+        </p:nvSpPr>
+        <p:spPr/>
+        <p:txBody>
+          <a:bodyPr/>
+          <a:lstStyle>
+            <a:lvl1pPr>
+              <a:defRPr/>
+            </a:lvl1pPr>
+          </a:lstStyle>
+          <a:p>
+            <a:r>
+              <a:rPr lang="en-US" dirty="0"/>
+              <a:t>Click to edit Code Title</a:t>
+            </a:r>
+          </a:p>
+        </p:txBody>
+      </p:sp>
+      <p:sp>
+        <p:nvSpPr>
+          <p:cNvPr id="4" name="Text Placeholder 3">
+            <a:extLst>
+              <a:ext uri="{FF2B5EF4-FFF2-40B4-BE49-F238E27FC236}">
+                <a16:creationId xmlns:a16="http://schemas.microsoft.com/office/drawing/2014/main" id="{8AA8E3D7-116C-400A-AC64-F86759F16B62}"/>
+              </a:ext>
+            </a:extLst>
+          </p:cNvPr>
+          <p:cNvSpPr>
+            <a:spLocks noGrp="1"/>
+          </p:cNvSpPr>
+          <p:nvPr>
+            <p:ph type="body" sz="quarter" idx="10" hasCustomPrompt="1"/>
+          </p:nvPr>
+        </p:nvSpPr>
+        <p:spPr>
+          <a:xfrm>
+            <a:off x="93306" y="811763"/>
+            <a:ext cx="8929396" cy="5859625"/>
+          </a:xfrm>
+        </p:spPr>
+        <p:txBody>
+          <a:bodyPr/>
+          <a:lstStyle>
+            <a:lvl1pPr marL="0" indent="0">
+              <a:buNone/>
+              <a:defRPr sz="2400">
+                <a:latin typeface="Consolas" panose="020B0609020204030204" pitchFamily="49" charset="0"/>
+              </a:defRPr>
+            </a:lvl1pPr>
+            <a:lvl2pPr marL="288925" indent="0">
+              <a:buNone/>
+              <a:defRPr sz="2000">
+                <a:latin typeface="Consolas" panose="020B0609020204030204" pitchFamily="49" charset="0"/>
+              </a:defRPr>
+            </a:lvl2pPr>
+            <a:lvl3pPr marL="681037" indent="0">
+              <a:buNone/>
+              <a:defRPr sz="1800">
+                <a:latin typeface="Consolas" panose="020B0609020204030204" pitchFamily="49" charset="0"/>
+              </a:defRPr>
+            </a:lvl3pPr>
+            <a:lvl4pPr marL="1089025" indent="0">
+              <a:buNone/>
+              <a:defRPr sz="1600">
+                <a:latin typeface="Consolas" panose="020B0609020204030204" pitchFamily="49" charset="0"/>
+              </a:defRPr>
+            </a:lvl4pPr>
+            <a:lvl5pPr marL="1376363" indent="0">
+              <a:buNone/>
+              <a:defRPr sz="1600">
+                <a:latin typeface="Consolas" panose="020B0609020204030204" pitchFamily="49" charset="0"/>
+              </a:defRPr>
+            </a:lvl5pPr>
+          </a:lstStyle>
+          <a:p>
+            <a:pPr lvl="0"/>
+            <a:r>
+              <a:rPr lang="en-US" dirty="0"/>
+              <a:t>Edit Code</a:t>
+            </a:r>
+          </a:p>
+          <a:p>
+            <a:pPr lvl="1"/>
+            <a:r>
+              <a:rPr lang="en-US" dirty="0"/>
+              <a:t>Second level</a:t>
+            </a:r>
+          </a:p>
+          <a:p>
+            <a:pPr lvl="2"/>
+            <a:r>
+              <a:rPr lang="en-US" dirty="0"/>
+              <a:t>Third level</a:t>
+            </a:r>
+          </a:p>
+          <a:p>
+            <a:pPr lvl="3"/>
+            <a:r>
+              <a:rPr lang="en-US" dirty="0"/>
+              <a:t>Fourth level</a:t>
+            </a:r>
+          </a:p>
+          <a:p>
+            <a:pPr lvl="4"/>
+            <a:r>
+              <a:rPr lang="en-US" dirty="0"/>
+              <a:t>Fifth level</a:t>
+            </a:r>
+          </a:p>
+        </p:txBody>
+      </p:sp>
+    </p:spTree>
+    <p:extLst>
+      <p:ext uri="{BB962C8B-B14F-4D97-AF65-F5344CB8AC3E}">
+        <p14:creationId xmlns:p14="http://schemas.microsoft.com/office/powerpoint/2010/main" val="1117181669"/>
+      </p:ext>
+    </p:extLst>
+  </p:cSld>
+  <p:clrMapOvr>
+    <a:masterClrMapping/>
+  </p:clrMapOvr>
+</p:sldLayout>
+</file>
+
+<file path=ppt/slideLayouts/slideLayout11.xml><?xml version="1.0" encoding="utf-8"?>
 <p:sldLayout xmlns:a="http://schemas.openxmlformats.org/drawingml/2006/main" xmlns:r="http://schemas.openxmlformats.org/officeDocument/2006/relationships" xmlns:p="http://schemas.openxmlformats.org/presentationml/2006/main" preserve="1" userDrawn="1">
   <p:cSld name="Black Notes slide Layout">
     <p:bg bwMode="black">
@@ -3019,7 +3538,7 @@
 </p:sldLayout>
 </file>
 
-<file path=ppt/slideLayouts/slideLayout11.xml><?xml version="1.0" encoding="utf-8"?>
+<file path=ppt/slideLayouts/slideLayout12.xml><?xml version="1.0" encoding="utf-8"?>
 <p:sldLayout xmlns:a="http://schemas.openxmlformats.org/drawingml/2006/main" xmlns:r="http://schemas.openxmlformats.org/officeDocument/2006/relationships" xmlns:p="http://schemas.openxmlformats.org/presentationml/2006/main" preserve="1" userDrawn="1">
   <p:cSld name="Steps">
     <p:spTree>
@@ -4468,7 +4987,7 @@
 </p:sldLayout>
 </file>
 
-<file path=ppt/slideLayouts/slideLayout12.xml><?xml version="1.0" encoding="utf-8"?>
+<file path=ppt/slideLayouts/slideLayout13.xml><?xml version="1.0" encoding="utf-8"?>
 <p:sldLayout xmlns:a="http://schemas.openxmlformats.org/drawingml/2006/main" xmlns:r="http://schemas.openxmlformats.org/officeDocument/2006/relationships" xmlns:p="http://schemas.openxmlformats.org/presentationml/2006/main" preserve="1" userDrawn="1">
   <p:cSld name="Section Header">
     <p:spTree>
@@ -4654,7 +5173,7 @@
 </p:sldLayout>
 </file>
 
-<file path=ppt/slideLayouts/slideLayout13.xml><?xml version="1.0" encoding="utf-8"?>
+<file path=ppt/slideLayouts/slideLayout14.xml><?xml version="1.0" encoding="utf-8"?>
 <p:sldLayout xmlns:a="http://schemas.openxmlformats.org/drawingml/2006/main" xmlns:r="http://schemas.openxmlformats.org/officeDocument/2006/relationships" xmlns:p="http://schemas.openxmlformats.org/presentationml/2006/main" preserve="1" userDrawn="1">
   <p:cSld name="Two Content">
     <p:spTree>
@@ -4937,7 +5456,7 @@
 </p:sldLayout>
 </file>
 
-<file path=ppt/slideLayouts/slideLayout14.xml><?xml version="1.0" encoding="utf-8"?>
+<file path=ppt/slideLayouts/slideLayout15.xml><?xml version="1.0" encoding="utf-8"?>
 <p:sldLayout xmlns:a="http://schemas.openxmlformats.org/drawingml/2006/main" xmlns:r="http://schemas.openxmlformats.org/officeDocument/2006/relationships" xmlns:p="http://schemas.openxmlformats.org/presentationml/2006/main" preserve="1" userDrawn="1">
   <p:cSld name="Comparison">
     <p:spTree>
@@ -5366,7 +5885,7 @@
 </p:sldLayout>
 </file>
 
-<file path=ppt/slideLayouts/slideLayout15.xml><?xml version="1.0" encoding="utf-8"?>
+<file path=ppt/slideLayouts/slideLayout16.xml><?xml version="1.0" encoding="utf-8"?>
 <p:sldLayout xmlns:a="http://schemas.openxmlformats.org/drawingml/2006/main" xmlns:r="http://schemas.openxmlformats.org/officeDocument/2006/relationships" xmlns:p="http://schemas.openxmlformats.org/presentationml/2006/main" preserve="1" userDrawn="1">
   <p:cSld name="Blank">
     <p:spTree>
@@ -5456,7 +5975,7 @@
 </p:sldLayout>
 </file>
 
-<file path=ppt/slideLayouts/slideLayout16.xml><?xml version="1.0" encoding="utf-8"?>
+<file path=ppt/slideLayouts/slideLayout17.xml><?xml version="1.0" encoding="utf-8"?>
 <p:sldLayout xmlns:a="http://schemas.openxmlformats.org/drawingml/2006/main" xmlns:r="http://schemas.openxmlformats.org/officeDocument/2006/relationships" xmlns:p="http://schemas.openxmlformats.org/presentationml/2006/main" preserve="1" userDrawn="1">
   <p:cSld name="Content with Caption">
     <p:spTree>
@@ -5732,7 +6251,7 @@
 </p:sldLayout>
 </file>
 
-<file path=ppt/slideLayouts/slideLayout17.xml><?xml version="1.0" encoding="utf-8"?>
+<file path=ppt/slideLayouts/slideLayout18.xml><?xml version="1.0" encoding="utf-8"?>
 <p:sldLayout xmlns:a="http://schemas.openxmlformats.org/drawingml/2006/main" xmlns:r="http://schemas.openxmlformats.org/officeDocument/2006/relationships" xmlns:p="http://schemas.openxmlformats.org/presentationml/2006/main" preserve="1" userDrawn="1">
   <p:cSld name="Picture with Caption">
     <p:spTree>
@@ -5983,7 +6502,7 @@
 </p:sldLayout>
 </file>
 
-<file path=ppt/slideLayouts/slideLayout18.xml><?xml version="1.0" encoding="utf-8"?>
+<file path=ppt/slideLayouts/slideLayout19.xml><?xml version="1.0" encoding="utf-8"?>
 <p:sldLayout xmlns:a="http://schemas.openxmlformats.org/drawingml/2006/main" xmlns:r="http://schemas.openxmlformats.org/officeDocument/2006/relationships" xmlns:p="http://schemas.openxmlformats.org/presentationml/2006/main" type="vertTx" preserve="1">
   <p:cSld name="Title and Vertical Text">
     <p:spTree>
@@ -6078,121 +6597,6 @@
     <p:extLst>
       <p:ext uri="{BB962C8B-B14F-4D97-AF65-F5344CB8AC3E}">
         <p14:creationId xmlns:p14="http://schemas.microsoft.com/office/powerpoint/2010/main" val="571518607"/>
-      </p:ext>
-    </p:extLst>
-  </p:cSld>
-  <p:clrMapOvr>
-    <a:masterClrMapping/>
-  </p:clrMapOvr>
-</p:sldLayout>
-</file>
-
-<file path=ppt/slideLayouts/slideLayout19.xml><?xml version="1.0" encoding="utf-8"?>
-<p:sldLayout xmlns:a="http://schemas.openxmlformats.org/drawingml/2006/main" xmlns:r="http://schemas.openxmlformats.org/officeDocument/2006/relationships" xmlns:p="http://schemas.openxmlformats.org/presentationml/2006/main" type="vertTitleAndTx" preserve="1">
-  <p:cSld name="Vertical Title and Text">
-    <p:spTree>
-      <p:nvGrpSpPr>
-        <p:cNvPr id="1" name=""/>
-        <p:cNvGrpSpPr/>
-        <p:nvPr/>
-      </p:nvGrpSpPr>
-      <p:grpSpPr>
-        <a:xfrm>
-          <a:off x="0" y="0"/>
-          <a:ext cx="0" cy="0"/>
-          <a:chOff x="0" y="0"/>
-          <a:chExt cx="0" cy="0"/>
-        </a:xfrm>
-      </p:grpSpPr>
-      <p:sp>
-        <p:nvSpPr>
-          <p:cNvPr id="2" name="Vertical Title 1"/>
-          <p:cNvSpPr>
-            <a:spLocks noGrp="1"/>
-          </p:cNvSpPr>
-          <p:nvPr>
-            <p:ph type="title" orient="vert"/>
-          </p:nvPr>
-        </p:nvSpPr>
-        <p:spPr>
-          <a:xfrm>
-            <a:off x="6291263" y="0"/>
-            <a:ext cx="1943100" cy="5378450"/>
-          </a:xfrm>
-        </p:spPr>
-        <p:txBody>
-          <a:bodyPr vert="eaVert"/>
-          <a:lstStyle/>
-          <a:p>
-            <a:r>
-              <a:rPr lang="en-US"/>
-              <a:t>Click to edit Master title style</a:t>
-            </a:r>
-            <a:endParaRPr lang="en-US" dirty="0"/>
-          </a:p>
-        </p:txBody>
-      </p:sp>
-      <p:sp>
-        <p:nvSpPr>
-          <p:cNvPr id="3" name="Vertical Text Placeholder 2"/>
-          <p:cNvSpPr>
-            <a:spLocks noGrp="1"/>
-          </p:cNvSpPr>
-          <p:nvPr>
-            <p:ph type="body" orient="vert" idx="1"/>
-          </p:nvPr>
-        </p:nvSpPr>
-        <p:spPr>
-          <a:xfrm>
-            <a:off x="458788" y="0"/>
-            <a:ext cx="5680075" cy="5378450"/>
-          </a:xfrm>
-        </p:spPr>
-        <p:txBody>
-          <a:bodyPr vert="eaVert"/>
-          <a:lstStyle/>
-          <a:p>
-            <a:pPr lvl="0"/>
-            <a:r>
-              <a:rPr lang="en-US"/>
-              <a:t>Edit Master text styles</a:t>
-            </a:r>
-          </a:p>
-          <a:p>
-            <a:pPr lvl="1"/>
-            <a:r>
-              <a:rPr lang="en-US"/>
-              <a:t>Second level</a:t>
-            </a:r>
-          </a:p>
-          <a:p>
-            <a:pPr lvl="2"/>
-            <a:r>
-              <a:rPr lang="en-US"/>
-              <a:t>Third level</a:t>
-            </a:r>
-          </a:p>
-          <a:p>
-            <a:pPr lvl="3"/>
-            <a:r>
-              <a:rPr lang="en-US"/>
-              <a:t>Fourth level</a:t>
-            </a:r>
-          </a:p>
-          <a:p>
-            <a:pPr lvl="4"/>
-            <a:r>
-              <a:rPr lang="en-US"/>
-              <a:t>Fifth level</a:t>
-            </a:r>
-            <a:endParaRPr lang="en-US" dirty="0"/>
-          </a:p>
-        </p:txBody>
-      </p:sp>
-    </p:spTree>
-    <p:extLst>
-      <p:ext uri="{BB962C8B-B14F-4D97-AF65-F5344CB8AC3E}">
-        <p14:creationId xmlns:p14="http://schemas.microsoft.com/office/powerpoint/2010/main" val="816485789"/>
       </p:ext>
     </p:extLst>
   </p:cSld>
@@ -6366,6 +6770,121 @@
 </file>
 
 <file path=ppt/slideLayouts/slideLayout20.xml><?xml version="1.0" encoding="utf-8"?>
+<p:sldLayout xmlns:a="http://schemas.openxmlformats.org/drawingml/2006/main" xmlns:r="http://schemas.openxmlformats.org/officeDocument/2006/relationships" xmlns:p="http://schemas.openxmlformats.org/presentationml/2006/main" type="vertTitleAndTx" preserve="1">
+  <p:cSld name="Vertical Title and Text">
+    <p:spTree>
+      <p:nvGrpSpPr>
+        <p:cNvPr id="1" name=""/>
+        <p:cNvGrpSpPr/>
+        <p:nvPr/>
+      </p:nvGrpSpPr>
+      <p:grpSpPr>
+        <a:xfrm>
+          <a:off x="0" y="0"/>
+          <a:ext cx="0" cy="0"/>
+          <a:chOff x="0" y="0"/>
+          <a:chExt cx="0" cy="0"/>
+        </a:xfrm>
+      </p:grpSpPr>
+      <p:sp>
+        <p:nvSpPr>
+          <p:cNvPr id="2" name="Vertical Title 1"/>
+          <p:cNvSpPr>
+            <a:spLocks noGrp="1"/>
+          </p:cNvSpPr>
+          <p:nvPr>
+            <p:ph type="title" orient="vert"/>
+          </p:nvPr>
+        </p:nvSpPr>
+        <p:spPr>
+          <a:xfrm>
+            <a:off x="6291263" y="0"/>
+            <a:ext cx="1943100" cy="5378450"/>
+          </a:xfrm>
+        </p:spPr>
+        <p:txBody>
+          <a:bodyPr vert="eaVert"/>
+          <a:lstStyle/>
+          <a:p>
+            <a:r>
+              <a:rPr lang="en-US"/>
+              <a:t>Click to edit Master title style</a:t>
+            </a:r>
+            <a:endParaRPr lang="en-US" dirty="0"/>
+          </a:p>
+        </p:txBody>
+      </p:sp>
+      <p:sp>
+        <p:nvSpPr>
+          <p:cNvPr id="3" name="Vertical Text Placeholder 2"/>
+          <p:cNvSpPr>
+            <a:spLocks noGrp="1"/>
+          </p:cNvSpPr>
+          <p:nvPr>
+            <p:ph type="body" orient="vert" idx="1"/>
+          </p:nvPr>
+        </p:nvSpPr>
+        <p:spPr>
+          <a:xfrm>
+            <a:off x="458788" y="0"/>
+            <a:ext cx="5680075" cy="5378450"/>
+          </a:xfrm>
+        </p:spPr>
+        <p:txBody>
+          <a:bodyPr vert="eaVert"/>
+          <a:lstStyle/>
+          <a:p>
+            <a:pPr lvl="0"/>
+            <a:r>
+              <a:rPr lang="en-US"/>
+              <a:t>Edit Master text styles</a:t>
+            </a:r>
+          </a:p>
+          <a:p>
+            <a:pPr lvl="1"/>
+            <a:r>
+              <a:rPr lang="en-US"/>
+              <a:t>Second level</a:t>
+            </a:r>
+          </a:p>
+          <a:p>
+            <a:pPr lvl="2"/>
+            <a:r>
+              <a:rPr lang="en-US"/>
+              <a:t>Third level</a:t>
+            </a:r>
+          </a:p>
+          <a:p>
+            <a:pPr lvl="3"/>
+            <a:r>
+              <a:rPr lang="en-US"/>
+              <a:t>Fourth level</a:t>
+            </a:r>
+          </a:p>
+          <a:p>
+            <a:pPr lvl="4"/>
+            <a:r>
+              <a:rPr lang="en-US"/>
+              <a:t>Fifth level</a:t>
+            </a:r>
+            <a:endParaRPr lang="en-US" dirty="0"/>
+          </a:p>
+        </p:txBody>
+      </p:sp>
+    </p:spTree>
+    <p:extLst>
+      <p:ext uri="{BB962C8B-B14F-4D97-AF65-F5344CB8AC3E}">
+        <p14:creationId xmlns:p14="http://schemas.microsoft.com/office/powerpoint/2010/main" val="816485789"/>
+      </p:ext>
+    </p:extLst>
+  </p:cSld>
+  <p:clrMapOvr>
+    <a:masterClrMapping/>
+  </p:clrMapOvr>
+</p:sldLayout>
+</file>
+
+<file path=ppt/slideLayouts/slideLayout21.xml><?xml version="1.0" encoding="utf-8"?>
 <p:sldLayout xmlns:a="http://schemas.openxmlformats.org/drawingml/2006/main" xmlns:r="http://schemas.openxmlformats.org/officeDocument/2006/relationships" xmlns:p="http://schemas.openxmlformats.org/presentationml/2006/main" userDrawn="1">
   <p:cSld name="32pt Slide Title ">
     <p:spTree>
@@ -7210,7 +7729,7 @@
             <a:spLocks noGrp="1"/>
           </p:cNvSpPr>
           <p:nvPr>
-            <p:ph idx="1"/>
+            <p:ph idx="1" hasCustomPrompt="1"/>
           </p:nvPr>
         </p:nvSpPr>
         <p:spPr>
@@ -7221,12 +7740,18 @@
         </p:spPr>
         <p:txBody>
           <a:bodyPr/>
-          <a:lstStyle/>
+          <a:lstStyle>
+            <a:lvl1pPr marL="514350" indent="-514350">
+              <a:buFont typeface="+mj-lt"/>
+              <a:buAutoNum type="arabicParenR"/>
+              <a:defRPr/>
+            </a:lvl1pPr>
+          </a:lstStyle>
           <a:p>
             <a:pPr lvl="0"/>
             <a:r>
               <a:rPr lang="en-US" dirty="0"/>
-              <a:t>Edit Master text styles</a:t>
+              <a:t>Edit Question</a:t>
             </a:r>
           </a:p>
           <a:p>
@@ -7333,6 +7858,240 @@
 </file>
 
 <file path=ppt/slideLayouts/slideLayout6.xml><?xml version="1.0" encoding="utf-8"?>
+<p:sldLayout xmlns:a="http://schemas.openxmlformats.org/drawingml/2006/main" xmlns:r="http://schemas.openxmlformats.org/officeDocument/2006/relationships" xmlns:p="http://schemas.openxmlformats.org/presentationml/2006/main" preserve="1" userDrawn="1">
+  <p:cSld name="Case Study">
+    <p:spTree>
+      <p:nvGrpSpPr>
+        <p:cNvPr id="1" name=""/>
+        <p:cNvGrpSpPr/>
+        <p:nvPr/>
+      </p:nvGrpSpPr>
+      <p:grpSpPr>
+        <a:xfrm>
+          <a:off x="0" y="0"/>
+          <a:ext cx="0" cy="0"/>
+          <a:chOff x="0" y="0"/>
+          <a:chExt cx="0" cy="0"/>
+        </a:xfrm>
+      </p:grpSpPr>
+      <p:sp>
+        <p:nvSpPr>
+          <p:cNvPr id="6" name="Rectangle 5">
+            <a:extLst>
+              <a:ext uri="{FF2B5EF4-FFF2-40B4-BE49-F238E27FC236}">
+                <a16:creationId xmlns:a16="http://schemas.microsoft.com/office/drawing/2014/main" id="{18074CDC-0128-42E8-B232-786D9C2CD277}"/>
+              </a:ext>
+            </a:extLst>
+          </p:cNvPr>
+          <p:cNvSpPr/>
+          <p:nvPr userDrawn="1"/>
+        </p:nvSpPr>
+        <p:spPr>
+          <a:xfrm>
+            <a:off x="0" y="0"/>
+            <a:ext cx="9144000" cy="6263640"/>
+          </a:xfrm>
+          <a:prstGeom prst="rect">
+            <a:avLst/>
+          </a:prstGeom>
+          <a:solidFill>
+            <a:srgbClr val="669900"/>
+          </a:solidFill>
+          <a:ln>
+            <a:noFill/>
+          </a:ln>
+        </p:spPr>
+        <p:style>
+          <a:lnRef idx="2">
+            <a:schemeClr val="accent1">
+              <a:shade val="50000"/>
+            </a:schemeClr>
+          </a:lnRef>
+          <a:fillRef idx="1">
+            <a:schemeClr val="accent1"/>
+          </a:fillRef>
+          <a:effectRef idx="0">
+            <a:schemeClr val="accent1"/>
+          </a:effectRef>
+          <a:fontRef idx="minor">
+            <a:schemeClr val="lt1"/>
+          </a:fontRef>
+        </p:style>
+        <p:txBody>
+          <a:bodyPr rtlCol="0" anchor="ctr"/>
+          <a:lstStyle/>
+          <a:p>
+            <a:pPr algn="ctr"/>
+            <a:endParaRPr lang="en-US" dirty="0"/>
+          </a:p>
+        </p:txBody>
+      </p:sp>
+      <p:sp>
+        <p:nvSpPr>
+          <p:cNvPr id="2" name="Title 1"/>
+          <p:cNvSpPr>
+            <a:spLocks noGrp="1"/>
+          </p:cNvSpPr>
+          <p:nvPr>
+            <p:ph type="title" hasCustomPrompt="1"/>
+          </p:nvPr>
+        </p:nvSpPr>
+        <p:spPr>
+          <a:xfrm>
+            <a:off x="460375" y="-3"/>
+            <a:ext cx="7773988" cy="1296957"/>
+          </a:xfrm>
+        </p:spPr>
+        <p:txBody>
+          <a:bodyPr/>
+          <a:lstStyle>
+            <a:lvl1pPr>
+              <a:defRPr/>
+            </a:lvl1pPr>
+          </a:lstStyle>
+          <a:p>
+            <a:r>
+              <a:rPr lang="en-US" dirty="0"/>
+              <a:t>Case Study Question</a:t>
+            </a:r>
+          </a:p>
+        </p:txBody>
+      </p:sp>
+      <p:sp>
+        <p:nvSpPr>
+          <p:cNvPr id="3" name="Content Placeholder 2"/>
+          <p:cNvSpPr>
+            <a:spLocks noGrp="1"/>
+          </p:cNvSpPr>
+          <p:nvPr>
+            <p:ph idx="1"/>
+          </p:nvPr>
+        </p:nvSpPr>
+        <p:spPr>
+          <a:xfrm>
+            <a:off x="261187" y="1482871"/>
+            <a:ext cx="8574837" cy="4712995"/>
+          </a:xfrm>
+        </p:spPr>
+        <p:txBody>
+          <a:bodyPr/>
+          <a:lstStyle>
+            <a:lvl1pPr marL="0" indent="0">
+              <a:buNone/>
+              <a:defRPr/>
+            </a:lvl1pPr>
+          </a:lstStyle>
+          <a:p>
+            <a:pPr lvl="0"/>
+            <a:r>
+              <a:rPr lang="en-US" dirty="0"/>
+              <a:t>Edit Master text styles</a:t>
+            </a:r>
+          </a:p>
+          <a:p>
+            <a:pPr lvl="1"/>
+            <a:r>
+              <a:rPr lang="en-US" dirty="0"/>
+              <a:t>Second level</a:t>
+            </a:r>
+          </a:p>
+          <a:p>
+            <a:pPr lvl="2"/>
+            <a:r>
+              <a:rPr lang="en-US" dirty="0"/>
+              <a:t>Third level</a:t>
+            </a:r>
+          </a:p>
+          <a:p>
+            <a:pPr lvl="3"/>
+            <a:r>
+              <a:rPr lang="en-US" dirty="0"/>
+              <a:t>Fourth level</a:t>
+            </a:r>
+          </a:p>
+          <a:p>
+            <a:pPr lvl="4"/>
+            <a:r>
+              <a:rPr lang="en-US" dirty="0"/>
+              <a:t>Fifth level</a:t>
+            </a:r>
+          </a:p>
+        </p:txBody>
+      </p:sp>
+      <p:sp>
+        <p:nvSpPr>
+          <p:cNvPr id="5" name="Text Placeholder 4">
+            <a:extLst>
+              <a:ext uri="{FF2B5EF4-FFF2-40B4-BE49-F238E27FC236}">
+                <a16:creationId xmlns:a16="http://schemas.microsoft.com/office/drawing/2014/main" id="{7F35744D-EF33-49FA-9A3C-2D7BFFC7876A}"/>
+              </a:ext>
+            </a:extLst>
+          </p:cNvPr>
+          <p:cNvSpPr>
+            <a:spLocks noGrp="1"/>
+          </p:cNvSpPr>
+          <p:nvPr>
+            <p:ph type="body" sz="quarter" idx="10" hasCustomPrompt="1"/>
+          </p:nvPr>
+        </p:nvSpPr>
+        <p:spPr>
+          <a:xfrm>
+            <a:off x="261188" y="6307137"/>
+            <a:ext cx="8574837" cy="410903"/>
+          </a:xfrm>
+        </p:spPr>
+        <p:txBody>
+          <a:bodyPr/>
+          <a:lstStyle>
+            <a:lvl1pPr marL="0" indent="0">
+              <a:buFont typeface="Arial" panose="020B0604020202020204" pitchFamily="34" charset="0"/>
+              <a:buNone/>
+              <a:defRPr sz="1400"/>
+            </a:lvl1pPr>
+            <a:lvl2pPr marL="574675" indent="-285750">
+              <a:buFont typeface="Arial" panose="020B0604020202020204" pitchFamily="34" charset="0"/>
+              <a:buChar char="•"/>
+              <a:defRPr sz="1600"/>
+            </a:lvl2pPr>
+            <a:lvl3pPr marL="966787" indent="-285750">
+              <a:buFont typeface="Arial" panose="020B0604020202020204" pitchFamily="34" charset="0"/>
+              <a:buChar char="•"/>
+              <a:defRPr sz="1400"/>
+            </a:lvl3pPr>
+            <a:lvl4pPr marL="1260475" indent="-171450">
+              <a:buFont typeface="Arial" panose="020B0604020202020204" pitchFamily="34" charset="0"/>
+              <a:buChar char="•"/>
+              <a:defRPr sz="1200"/>
+            </a:lvl4pPr>
+            <a:lvl5pPr marL="1547813" indent="-171450">
+              <a:buFont typeface="Arial" panose="020B0604020202020204" pitchFamily="34" charset="0"/>
+              <a:buChar char="•"/>
+              <a:defRPr sz="1200"/>
+            </a:lvl5pPr>
+          </a:lstStyle>
+          <a:p>
+            <a:pPr lvl="0"/>
+            <a:r>
+              <a:rPr lang="en-US" dirty="0"/>
+              <a:t>Edit URL</a:t>
+            </a:r>
+          </a:p>
+        </p:txBody>
+      </p:sp>
+    </p:spTree>
+    <p:extLst>
+      <p:ext uri="{BB962C8B-B14F-4D97-AF65-F5344CB8AC3E}">
+        <p14:creationId xmlns:p14="http://schemas.microsoft.com/office/powerpoint/2010/main" val="1410530498"/>
+      </p:ext>
+    </p:extLst>
+  </p:cSld>
+  <p:clrMapOvr>
+    <a:masterClrMapping/>
+  </p:clrMapOvr>
+</p:sldLayout>
+</file>
+
+<file path=ppt/slideLayouts/slideLayout7.xml><?xml version="1.0" encoding="utf-8"?>
 <p:sldLayout xmlns:a="http://schemas.openxmlformats.org/drawingml/2006/main" xmlns:r="http://schemas.openxmlformats.org/officeDocument/2006/relationships" xmlns:p="http://schemas.openxmlformats.org/presentationml/2006/main" preserve="1" userDrawn="1">
   <p:cSld name="Answer">
     <p:spTree>
@@ -7439,7 +8198,7 @@
             <a:spLocks noGrp="1"/>
           </p:cNvSpPr>
           <p:nvPr>
-            <p:ph idx="1"/>
+            <p:ph idx="1" hasCustomPrompt="1"/>
           </p:nvPr>
         </p:nvSpPr>
         <p:spPr>
@@ -7450,12 +8209,18 @@
         </p:spPr>
         <p:txBody>
           <a:bodyPr/>
-          <a:lstStyle/>
+          <a:lstStyle>
+            <a:lvl1pPr marL="514350" indent="-514350">
+              <a:buFont typeface="+mj-lt"/>
+              <a:buAutoNum type="arabicParenR"/>
+              <a:defRPr/>
+            </a:lvl1pPr>
+          </a:lstStyle>
           <a:p>
             <a:pPr lvl="0"/>
             <a:r>
               <a:rPr lang="en-US" dirty="0"/>
-              <a:t>Edit Master text styles</a:t>
+              <a:t>Edit Answer</a:t>
             </a:r>
           </a:p>
           <a:p>
@@ -7561,8 +8326,8 @@
 </p:sldLayout>
 </file>
 
-<file path=ppt/slideLayouts/slideLayout7.xml><?xml version="1.0" encoding="utf-8"?>
-<p:sldLayout xmlns:a="http://schemas.openxmlformats.org/drawingml/2006/main" xmlns:r="http://schemas.openxmlformats.org/officeDocument/2006/relationships" xmlns:p="http://schemas.openxmlformats.org/presentationml/2006/main" type="obj" preserve="1">
+<file path=ppt/slideLayouts/slideLayout8.xml><?xml version="1.0" encoding="utf-8"?>
+<p:sldLayout xmlns:a="http://schemas.openxmlformats.org/drawingml/2006/main" xmlns:r="http://schemas.openxmlformats.org/officeDocument/2006/relationships" xmlns:p="http://schemas.openxmlformats.org/presentationml/2006/main" preserve="1" userDrawn="1">
   <p:cSld name="Lab">
     <p:bg>
       <p:bgPr>
@@ -7789,61 +8554,60 @@
       </p:sp>
       <p:sp>
         <p:nvSpPr>
-          <p:cNvPr id="9" name="Title 1">
+          <p:cNvPr id="8" name="Text Placeholder 4">
             <a:extLst>
               <a:ext uri="{FF2B5EF4-FFF2-40B4-BE49-F238E27FC236}">
-                <a16:creationId xmlns:a16="http://schemas.microsoft.com/office/drawing/2014/main" id="{C610877B-30C7-48C5-8BDA-CA0DB0C7F805}"/>
+                <a16:creationId xmlns:a16="http://schemas.microsoft.com/office/drawing/2014/main" id="{32BB03E1-13D7-4394-8452-A36A7DCAA454}"/>
               </a:ext>
             </a:extLst>
           </p:cNvPr>
-          <p:cNvSpPr txBox="1">
-            <a:spLocks/>
-          </p:cNvSpPr>
-          <p:nvPr userDrawn="1"/>
+          <p:cNvSpPr>
+            <a:spLocks noGrp="1"/>
+          </p:cNvSpPr>
+          <p:nvPr>
+            <p:ph type="body" sz="quarter" idx="10" hasCustomPrompt="1"/>
+          </p:nvPr>
         </p:nvSpPr>
         <p:spPr>
           <a:xfrm>
-            <a:off x="151194" y="6219372"/>
-            <a:ext cx="8833654" cy="587829"/>
+            <a:off x="261188" y="6307137"/>
+            <a:ext cx="8574837" cy="410903"/>
           </a:xfrm>
-          <a:prstGeom prst="rect">
-            <a:avLst/>
-          </a:prstGeom>
-          <a:solidFill>
-            <a:schemeClr val="bg1"/>
-          </a:solidFill>
         </p:spPr>
         <p:txBody>
-          <a:bodyPr vert="horz" lIns="68580" tIns="34290" rIns="68580" bIns="34290" rtlCol="0" anchor="ctr">
-            <a:noAutofit/>
-          </a:bodyPr>
+          <a:bodyPr/>
           <a:lstStyle>
-            <a:lvl1pPr algn="l" defTabSz="914400" rtl="0" eaLnBrk="1" latinLnBrk="0" hangingPunct="1">
-              <a:lnSpc>
-                <a:spcPct val="90000"/>
-              </a:lnSpc>
-              <a:spcBef>
-                <a:spcPct val="0"/>
-              </a:spcBef>
+            <a:lvl1pPr marL="0" indent="0">
+              <a:buFont typeface="Arial" panose="020B0604020202020204" pitchFamily="34" charset="0"/>
               <a:buNone/>
-              <a:defRPr sz="4400" kern="1200">
-                <a:solidFill>
-                  <a:schemeClr val="tx1"/>
-                </a:solidFill>
-                <a:latin typeface="+mj-lt"/>
-                <a:ea typeface="+mj-ea"/>
-                <a:cs typeface="+mj-cs"/>
-              </a:defRPr>
+              <a:defRPr sz="1400"/>
             </a:lvl1pPr>
+            <a:lvl2pPr marL="574675" indent="-285750">
+              <a:buFont typeface="Arial" panose="020B0604020202020204" pitchFamily="34" charset="0"/>
+              <a:buChar char="•"/>
+              <a:defRPr sz="1600"/>
+            </a:lvl2pPr>
+            <a:lvl3pPr marL="966787" indent="-285750">
+              <a:buFont typeface="Arial" panose="020B0604020202020204" pitchFamily="34" charset="0"/>
+              <a:buChar char="•"/>
+              <a:defRPr sz="1400"/>
+            </a:lvl3pPr>
+            <a:lvl4pPr marL="1260475" indent="-171450">
+              <a:buFont typeface="Arial" panose="020B0604020202020204" pitchFamily="34" charset="0"/>
+              <a:buChar char="•"/>
+              <a:defRPr sz="1200"/>
+            </a:lvl4pPr>
+            <a:lvl5pPr marL="1547813" indent="-171450">
+              <a:buFont typeface="Arial" panose="020B0604020202020204" pitchFamily="34" charset="0"/>
+              <a:buChar char="•"/>
+              <a:defRPr sz="1200"/>
+            </a:lvl5pPr>
           </a:lstStyle>
           <a:p>
-            <a:r>
-              <a:rPr lang="en-US" sz="1500" u="sng" dirty="0">
-                <a:solidFill>
-                  <a:srgbClr val="0070C0"/>
-                </a:solidFill>
-              </a:rPr>
-              <a:t>Click to edit Lab URL</a:t>
+            <a:pPr lvl="0"/>
+            <a:r>
+              <a:rPr lang="en-US" dirty="0"/>
+              <a:t>Edit URL</a:t>
             </a:r>
           </a:p>
         </p:txBody>
@@ -7861,7 +8625,7 @@
 </p:sldLayout>
 </file>
 
-<file path=ppt/slideLayouts/slideLayout8.xml><?xml version="1.0" encoding="utf-8"?>
+<file path=ppt/slideLayouts/slideLayout9.xml><?xml version="1.0" encoding="utf-8"?>
 <p:sldLayout xmlns:a="http://schemas.openxmlformats.org/drawingml/2006/main" xmlns:r="http://schemas.openxmlformats.org/officeDocument/2006/relationships" xmlns:p="http://schemas.openxmlformats.org/presentationml/2006/main" preserve="1" userDrawn="1">
   <p:cSld name="Content &amp; Code">
     <p:spTree>
@@ -8196,161 +8960,6 @@
 </p:sldLayout>
 </file>
 
-<file path=ppt/slideLayouts/slideLayout9.xml><?xml version="1.0" encoding="utf-8"?>
-<p:sldLayout xmlns:a="http://schemas.openxmlformats.org/drawingml/2006/main" xmlns:r="http://schemas.openxmlformats.org/officeDocument/2006/relationships" xmlns:p="http://schemas.openxmlformats.org/presentationml/2006/main" preserve="1" userDrawn="1">
-  <p:cSld name="Custom Layout">
-    <p:spTree>
-      <p:nvGrpSpPr>
-        <p:cNvPr id="1" name=""/>
-        <p:cNvGrpSpPr/>
-        <p:nvPr/>
-      </p:nvGrpSpPr>
-      <p:grpSpPr>
-        <a:xfrm>
-          <a:off x="0" y="0"/>
-          <a:ext cx="0" cy="0"/>
-          <a:chOff x="0" y="0"/>
-          <a:chExt cx="0" cy="0"/>
-        </a:xfrm>
-      </p:grpSpPr>
-      <p:sp>
-        <p:nvSpPr>
-          <p:cNvPr id="2" name="Title 1">
-            <a:extLst>
-              <a:ext uri="{FF2B5EF4-FFF2-40B4-BE49-F238E27FC236}">
-                <a16:creationId xmlns:a16="http://schemas.microsoft.com/office/drawing/2014/main" id="{F523216E-3091-410D-83D4-F3B694551529}"/>
-              </a:ext>
-            </a:extLst>
-          </p:cNvPr>
-          <p:cNvSpPr>
-            <a:spLocks noGrp="1"/>
-          </p:cNvSpPr>
-          <p:nvPr>
-            <p:ph type="title" hasCustomPrompt="1"/>
-          </p:nvPr>
-        </p:nvSpPr>
-        <p:spPr/>
-        <p:txBody>
-          <a:bodyPr/>
-          <a:lstStyle>
-            <a:lvl1pPr>
-              <a:defRPr/>
-            </a:lvl1pPr>
-          </a:lstStyle>
-          <a:p>
-            <a:r>
-              <a:rPr lang="en-US" dirty="0"/>
-              <a:t>Click to edit Code Title</a:t>
-            </a:r>
-          </a:p>
-        </p:txBody>
-      </p:sp>
-      <p:sp>
-        <p:nvSpPr>
-          <p:cNvPr id="4" name="Text Placeholder 3">
-            <a:extLst>
-              <a:ext uri="{FF2B5EF4-FFF2-40B4-BE49-F238E27FC236}">
-                <a16:creationId xmlns:a16="http://schemas.microsoft.com/office/drawing/2014/main" id="{8AA8E3D7-116C-400A-AC64-F86759F16B62}"/>
-              </a:ext>
-            </a:extLst>
-          </p:cNvPr>
-          <p:cNvSpPr>
-            <a:spLocks noGrp="1"/>
-          </p:cNvSpPr>
-          <p:nvPr>
-            <p:ph type="body" sz="quarter" idx="10" hasCustomPrompt="1"/>
-          </p:nvPr>
-        </p:nvSpPr>
-        <p:spPr>
-          <a:xfrm>
-            <a:off x="93306" y="811763"/>
-            <a:ext cx="8929396" cy="5859625"/>
-          </a:xfrm>
-        </p:spPr>
-        <p:txBody>
-          <a:bodyPr/>
-          <a:lstStyle>
-            <a:lvl1pPr marL="0" indent="0">
-              <a:buNone/>
-              <a:defRPr sz="2400">
-                <a:latin typeface="Consolas" panose="020B0609020204030204" pitchFamily="49" charset="0"/>
-              </a:defRPr>
-            </a:lvl1pPr>
-            <a:lvl2pPr marL="288925" indent="0">
-              <a:buNone/>
-              <a:defRPr sz="2000">
-                <a:latin typeface="Consolas" panose="020B0609020204030204" pitchFamily="49" charset="0"/>
-              </a:defRPr>
-            </a:lvl2pPr>
-            <a:lvl3pPr marL="681037" indent="0">
-              <a:buNone/>
-              <a:defRPr sz="1800">
-                <a:latin typeface="Consolas" panose="020B0609020204030204" pitchFamily="49" charset="0"/>
-              </a:defRPr>
-            </a:lvl3pPr>
-            <a:lvl4pPr marL="1089025" indent="0">
-              <a:buNone/>
-              <a:defRPr sz="1600">
-                <a:latin typeface="Consolas" panose="020B0609020204030204" pitchFamily="49" charset="0"/>
-              </a:defRPr>
-            </a:lvl4pPr>
-            <a:lvl5pPr marL="1376363" indent="0">
-              <a:buNone/>
-              <a:defRPr sz="1600">
-                <a:latin typeface="Consolas" panose="020B0609020204030204" pitchFamily="49" charset="0"/>
-              </a:defRPr>
-            </a:lvl5pPr>
-          </a:lstStyle>
-          <a:p>
-            <a:pPr lvl="0"/>
-            <a:r>
-              <a:rPr lang="en-US" dirty="0"/>
-              <a:t>Edit Code</a:t>
-            </a:r>
-          </a:p>
-          <a:p>
-            <a:pPr lvl="1"/>
-            <a:r>
-              <a:rPr lang="en-US" dirty="0"/>
-              <a:t>Second level</a:t>
-            </a:r>
-          </a:p>
-          <a:p>
-            <a:pPr lvl="2"/>
-            <a:r>
-              <a:rPr lang="en-US" dirty="0"/>
-              <a:t>Third level</a:t>
-            </a:r>
-          </a:p>
-          <a:p>
-            <a:pPr lvl="3"/>
-            <a:r>
-              <a:rPr lang="en-US" dirty="0"/>
-              <a:t>Fourth level</a:t>
-            </a:r>
-          </a:p>
-          <a:p>
-            <a:pPr lvl="4"/>
-            <a:r>
-              <a:rPr lang="en-US" dirty="0"/>
-              <a:t>Fifth level</a:t>
-            </a:r>
-          </a:p>
-        </p:txBody>
-      </p:sp>
-    </p:spTree>
-    <p:extLst>
-      <p:ext uri="{BB962C8B-B14F-4D97-AF65-F5344CB8AC3E}">
-        <p14:creationId xmlns:p14="http://schemas.microsoft.com/office/powerpoint/2010/main" val="1117181669"/>
-      </p:ext>
-    </p:extLst>
-  </p:cSld>
-  <p:clrMapOvr>
-    <a:masterClrMapping/>
-  </p:clrMapOvr>
-</p:sldLayout>
-</file>
-
 <file path=ppt/slideMasters/slideMaster1.xml><?xml version="1.0" encoding="utf-8"?>
 <p:sldMaster xmlns:a="http://schemas.openxmlformats.org/drawingml/2006/main" xmlns:r="http://schemas.openxmlformats.org/officeDocument/2006/relationships" xmlns:p="http://schemas.openxmlformats.org/presentationml/2006/main" preserve="1">
   <p:cSld>
@@ -8628,21 +9237,22 @@
     <p:sldLayoutId id="2147483666" r:id="rId3"/>
     <p:sldLayoutId id="2147483701" r:id="rId4"/>
     <p:sldLayoutId id="2147483662" r:id="rId5"/>
-    <p:sldLayoutId id="2147483699" r:id="rId6"/>
-    <p:sldLayoutId id="2147483702" r:id="rId7"/>
-    <p:sldLayoutId id="2147483700" r:id="rId8"/>
-    <p:sldLayoutId id="2147483705" r:id="rId9"/>
-    <p:sldLayoutId id="2147483703" r:id="rId10"/>
-    <p:sldLayoutId id="2147483706" r:id="rId11"/>
-    <p:sldLayoutId id="2147483663" r:id="rId12"/>
-    <p:sldLayoutId id="2147483664" r:id="rId13"/>
-    <p:sldLayoutId id="2147483665" r:id="rId14"/>
-    <p:sldLayoutId id="2147483667" r:id="rId15"/>
-    <p:sldLayoutId id="2147483668" r:id="rId16"/>
-    <p:sldLayoutId id="2147483669" r:id="rId17"/>
-    <p:sldLayoutId id="2147483670" r:id="rId18"/>
-    <p:sldLayoutId id="2147483671" r:id="rId19"/>
-    <p:sldLayoutId id="2147483673" r:id="rId20"/>
+    <p:sldLayoutId id="2147483707" r:id="rId6"/>
+    <p:sldLayoutId id="2147483699" r:id="rId7"/>
+    <p:sldLayoutId id="2147483702" r:id="rId8"/>
+    <p:sldLayoutId id="2147483700" r:id="rId9"/>
+    <p:sldLayoutId id="2147483705" r:id="rId10"/>
+    <p:sldLayoutId id="2147483703" r:id="rId11"/>
+    <p:sldLayoutId id="2147483706" r:id="rId12"/>
+    <p:sldLayoutId id="2147483663" r:id="rId13"/>
+    <p:sldLayoutId id="2147483664" r:id="rId14"/>
+    <p:sldLayoutId id="2147483665" r:id="rId15"/>
+    <p:sldLayoutId id="2147483667" r:id="rId16"/>
+    <p:sldLayoutId id="2147483668" r:id="rId17"/>
+    <p:sldLayoutId id="2147483669" r:id="rId18"/>
+    <p:sldLayoutId id="2147483670" r:id="rId19"/>
+    <p:sldLayoutId id="2147483671" r:id="rId20"/>
+    <p:sldLayoutId id="2147483673" r:id="rId21"/>
   </p:sldLayoutIdLst>
   <p:txStyles>
     <p:titleStyle>
@@ -9207,7 +9817,12 @@
             <p:ph type="subTitle" sz="quarter" idx="1"/>
           </p:nvPr>
         </p:nvSpPr>
-        <p:spPr/>
+        <p:spPr>
+          <a:xfrm>
+            <a:off x="3442996" y="2110581"/>
+            <a:ext cx="5533364" cy="3722293"/>
+          </a:xfrm>
+        </p:spPr>
         <p:txBody>
           <a:bodyPr/>
           <a:lstStyle/>
@@ -9225,7 +9840,7 @@
           </a:p>
           <a:p>
             <a:r>
-              <a:rPr lang="en-US" sz="1600" dirty="0">
+              <a:rPr lang="en-US" sz="1600" b="1" dirty="0">
                 <a:solidFill>
                   <a:srgbClr val="FFC000"/>
                 </a:solidFill>
@@ -9334,6 +9949,837 @@
     <p:extLst>
       <p:ext uri="{BB962C8B-B14F-4D97-AF65-F5344CB8AC3E}">
         <p14:creationId xmlns:p14="http://schemas.microsoft.com/office/powerpoint/2010/main" val="2856017795"/>
+      </p:ext>
+    </p:extLst>
+  </p:cSld>
+  <p:clrMapOvr>
+    <a:masterClrMapping/>
+  </p:clrMapOvr>
+</p:sld>
+</file>
+
+<file path=ppt/slides/slide10.xml><?xml version="1.0" encoding="utf-8"?>
+<p:sld xmlns:a="http://schemas.openxmlformats.org/drawingml/2006/main" xmlns:r="http://schemas.openxmlformats.org/officeDocument/2006/relationships" xmlns:p="http://schemas.openxmlformats.org/presentationml/2006/main">
+  <p:cSld>
+    <p:spTree>
+      <p:nvGrpSpPr>
+        <p:cNvPr id="1" name=""/>
+        <p:cNvGrpSpPr/>
+        <p:nvPr/>
+      </p:nvGrpSpPr>
+      <p:grpSpPr>
+        <a:xfrm>
+          <a:off x="0" y="0"/>
+          <a:ext cx="0" cy="0"/>
+          <a:chOff x="0" y="0"/>
+          <a:chExt cx="0" cy="0"/>
+        </a:xfrm>
+      </p:grpSpPr>
+      <p:sp>
+        <p:nvSpPr>
+          <p:cNvPr id="5" name="Title 4">
+            <a:extLst>
+              <a:ext uri="{FF2B5EF4-FFF2-40B4-BE49-F238E27FC236}">
+                <a16:creationId xmlns:a16="http://schemas.microsoft.com/office/drawing/2014/main" id="{E211CFA6-2454-4332-AF43-C6DA6679D3D0}"/>
+              </a:ext>
+            </a:extLst>
+          </p:cNvPr>
+          <p:cNvSpPr>
+            <a:spLocks noGrp="1"/>
+          </p:cNvSpPr>
+          <p:nvPr>
+            <p:ph type="title"/>
+          </p:nvPr>
+        </p:nvSpPr>
+        <p:spPr/>
+        <p:txBody>
+          <a:bodyPr/>
+          <a:lstStyle/>
+          <a:p>
+            <a:endParaRPr lang="en-US"/>
+          </a:p>
+        </p:txBody>
+      </p:sp>
+      <p:sp>
+        <p:nvSpPr>
+          <p:cNvPr id="6" name="Content Placeholder 5">
+            <a:extLst>
+              <a:ext uri="{FF2B5EF4-FFF2-40B4-BE49-F238E27FC236}">
+                <a16:creationId xmlns:a16="http://schemas.microsoft.com/office/drawing/2014/main" id="{BCB0089B-A5FA-49A5-BB02-6D416924EC24}"/>
+              </a:ext>
+            </a:extLst>
+          </p:cNvPr>
+          <p:cNvSpPr>
+            <a:spLocks noGrp="1"/>
+          </p:cNvSpPr>
+          <p:nvPr>
+            <p:ph idx="1"/>
+          </p:nvPr>
+        </p:nvSpPr>
+        <p:spPr/>
+        <p:txBody>
+          <a:bodyPr/>
+          <a:lstStyle/>
+          <a:p>
+            <a:endParaRPr lang="en-US"/>
+          </a:p>
+        </p:txBody>
+      </p:sp>
+      <p:sp>
+        <p:nvSpPr>
+          <p:cNvPr id="7" name="Text Placeholder 6">
+            <a:extLst>
+              <a:ext uri="{FF2B5EF4-FFF2-40B4-BE49-F238E27FC236}">
+                <a16:creationId xmlns:a16="http://schemas.microsoft.com/office/drawing/2014/main" id="{EB94AB9F-3961-41C3-AA7F-BEDA2F4E4691}"/>
+              </a:ext>
+            </a:extLst>
+          </p:cNvPr>
+          <p:cNvSpPr>
+            <a:spLocks noGrp="1"/>
+          </p:cNvSpPr>
+          <p:nvPr>
+            <p:ph type="body" sz="quarter" idx="10"/>
+          </p:nvPr>
+        </p:nvSpPr>
+        <p:spPr/>
+        <p:txBody>
+          <a:bodyPr/>
+          <a:lstStyle/>
+          <a:p>
+            <a:endParaRPr lang="en-US"/>
+          </a:p>
+        </p:txBody>
+      </p:sp>
+      <p:sp>
+        <p:nvSpPr>
+          <p:cNvPr id="3" name="Slide Number Placeholder 2">
+            <a:extLst>
+              <a:ext uri="{FF2B5EF4-FFF2-40B4-BE49-F238E27FC236}">
+                <a16:creationId xmlns:a16="http://schemas.microsoft.com/office/drawing/2014/main" id="{832DE144-51A7-4522-A16E-550A02D7F655}"/>
+              </a:ext>
+            </a:extLst>
+          </p:cNvPr>
+          <p:cNvSpPr>
+            <a:spLocks noGrp="1"/>
+          </p:cNvSpPr>
+          <p:nvPr>
+            <p:ph type="sldNum" sz="quarter" idx="4294967295"/>
+          </p:nvPr>
+        </p:nvSpPr>
+        <p:spPr/>
+        <p:txBody>
+          <a:bodyPr/>
+          <a:lstStyle/>
+          <a:p>
+            <a:fld id="{D814DA60-3BEE-4BCE-BEDB-E433FD970963}" type="slidenum">
+              <a:rPr lang="en-US" smtClean="0"/>
+              <a:pPr/>
+              <a:t>10</a:t>
+            </a:fld>
+            <a:endParaRPr lang="en-US" dirty="0"/>
+          </a:p>
+        </p:txBody>
+      </p:sp>
+    </p:spTree>
+    <p:extLst>
+      <p:ext uri="{BB962C8B-B14F-4D97-AF65-F5344CB8AC3E}">
+        <p14:creationId xmlns:p14="http://schemas.microsoft.com/office/powerpoint/2010/main" val="1904088949"/>
+      </p:ext>
+    </p:extLst>
+  </p:cSld>
+  <p:clrMapOvr>
+    <a:masterClrMapping/>
+  </p:clrMapOvr>
+</p:sld>
+</file>
+
+<file path=ppt/slides/slide11.xml><?xml version="1.0" encoding="utf-8"?>
+<p:sld xmlns:a="http://schemas.openxmlformats.org/drawingml/2006/main" xmlns:r="http://schemas.openxmlformats.org/officeDocument/2006/relationships" xmlns:p="http://schemas.openxmlformats.org/presentationml/2006/main">
+  <p:cSld>
+    <p:spTree>
+      <p:nvGrpSpPr>
+        <p:cNvPr id="1" name=""/>
+        <p:cNvGrpSpPr/>
+        <p:nvPr/>
+      </p:nvGrpSpPr>
+      <p:grpSpPr>
+        <a:xfrm>
+          <a:off x="0" y="0"/>
+          <a:ext cx="0" cy="0"/>
+          <a:chOff x="0" y="0"/>
+          <a:chExt cx="0" cy="0"/>
+        </a:xfrm>
+      </p:grpSpPr>
+      <p:sp>
+        <p:nvSpPr>
+          <p:cNvPr id="5" name="Title 4">
+            <a:extLst>
+              <a:ext uri="{FF2B5EF4-FFF2-40B4-BE49-F238E27FC236}">
+                <a16:creationId xmlns:a16="http://schemas.microsoft.com/office/drawing/2014/main" id="{1E09FA90-FF51-47E7-9609-EB9769676D7D}"/>
+              </a:ext>
+            </a:extLst>
+          </p:cNvPr>
+          <p:cNvSpPr>
+            <a:spLocks noGrp="1"/>
+          </p:cNvSpPr>
+          <p:nvPr>
+            <p:ph type="title"/>
+          </p:nvPr>
+        </p:nvSpPr>
+        <p:spPr/>
+        <p:txBody>
+          <a:bodyPr/>
+          <a:lstStyle/>
+          <a:p>
+            <a:endParaRPr lang="en-US"/>
+          </a:p>
+        </p:txBody>
+      </p:sp>
+      <p:sp>
+        <p:nvSpPr>
+          <p:cNvPr id="7" name="Text Placeholder 6">
+            <a:extLst>
+              <a:ext uri="{FF2B5EF4-FFF2-40B4-BE49-F238E27FC236}">
+                <a16:creationId xmlns:a16="http://schemas.microsoft.com/office/drawing/2014/main" id="{17615089-58DA-41E6-A4C4-6C71993075F9}"/>
+              </a:ext>
+            </a:extLst>
+          </p:cNvPr>
+          <p:cNvSpPr>
+            <a:spLocks noGrp="1"/>
+          </p:cNvSpPr>
+          <p:nvPr>
+            <p:ph type="body" sz="quarter" idx="11"/>
+          </p:nvPr>
+        </p:nvSpPr>
+        <p:spPr/>
+        <p:txBody>
+          <a:bodyPr/>
+          <a:lstStyle/>
+          <a:p>
+            <a:endParaRPr lang="en-US"/>
+          </a:p>
+        </p:txBody>
+      </p:sp>
+      <p:sp>
+        <p:nvSpPr>
+          <p:cNvPr id="6" name="Text Placeholder 5">
+            <a:extLst>
+              <a:ext uri="{FF2B5EF4-FFF2-40B4-BE49-F238E27FC236}">
+                <a16:creationId xmlns:a16="http://schemas.microsoft.com/office/drawing/2014/main" id="{8A5DD6FA-51A1-4135-982D-8F8A891DA08F}"/>
+              </a:ext>
+            </a:extLst>
+          </p:cNvPr>
+          <p:cNvSpPr>
+            <a:spLocks noGrp="1"/>
+          </p:cNvSpPr>
+          <p:nvPr>
+            <p:ph type="body" sz="quarter" idx="10"/>
+          </p:nvPr>
+        </p:nvSpPr>
+        <p:spPr/>
+        <p:txBody>
+          <a:bodyPr/>
+          <a:lstStyle/>
+          <a:p>
+            <a:endParaRPr lang="en-US"/>
+          </a:p>
+        </p:txBody>
+      </p:sp>
+    </p:spTree>
+    <p:extLst>
+      <p:ext uri="{BB962C8B-B14F-4D97-AF65-F5344CB8AC3E}">
+        <p14:creationId xmlns:p14="http://schemas.microsoft.com/office/powerpoint/2010/main" val="3921200033"/>
+      </p:ext>
+    </p:extLst>
+  </p:cSld>
+  <p:clrMapOvr>
+    <a:masterClrMapping/>
+  </p:clrMapOvr>
+  <p:transition>
+    <p:fade/>
+  </p:transition>
+</p:sld>
+</file>
+
+<file path=ppt/slides/slide12.xml><?xml version="1.0" encoding="utf-8"?>
+<p:sld xmlns:a="http://schemas.openxmlformats.org/drawingml/2006/main" xmlns:r="http://schemas.openxmlformats.org/officeDocument/2006/relationships" xmlns:p="http://schemas.openxmlformats.org/presentationml/2006/main">
+  <p:cSld>
+    <p:spTree>
+      <p:nvGrpSpPr>
+        <p:cNvPr id="1" name=""/>
+        <p:cNvGrpSpPr/>
+        <p:nvPr/>
+      </p:nvGrpSpPr>
+      <p:grpSpPr>
+        <a:xfrm>
+          <a:off x="0" y="0"/>
+          <a:ext cx="0" cy="0"/>
+          <a:chOff x="0" y="0"/>
+          <a:chExt cx="0" cy="0"/>
+        </a:xfrm>
+      </p:grpSpPr>
+      <p:sp>
+        <p:nvSpPr>
+          <p:cNvPr id="2" name="Title 1"/>
+          <p:cNvSpPr>
+            <a:spLocks noGrp="1"/>
+          </p:cNvSpPr>
+          <p:nvPr>
+            <p:ph type="title"/>
+          </p:nvPr>
+        </p:nvSpPr>
+        <p:spPr/>
+        <p:txBody>
+          <a:bodyPr/>
+          <a:lstStyle/>
+          <a:p>
+            <a:r>
+              <a:rPr lang="en-US" dirty="0"/>
+              <a:t>Course outline</a:t>
+            </a:r>
+            <a:endParaRPr lang="en-IE" i="1" dirty="0"/>
+          </a:p>
+        </p:txBody>
+      </p:sp>
+      <p:sp>
+        <p:nvSpPr>
+          <p:cNvPr id="5" name="Text Placeholder 2"/>
+          <p:cNvSpPr>
+            <a:spLocks noGrp="1"/>
+          </p:cNvSpPr>
+          <p:nvPr>
+            <p:ph type="body" sz="quarter" idx="13"/>
+          </p:nvPr>
+        </p:nvSpPr>
+        <p:spPr>
+          <a:xfrm>
+            <a:off x="457200" y="1066800"/>
+            <a:ext cx="7924800" cy="5105400"/>
+          </a:xfrm>
+        </p:spPr>
+        <p:txBody>
+          <a:bodyPr/>
+          <a:lstStyle/>
+          <a:p>
+            <a:pPr marL="0" indent="0">
+              <a:spcBef>
+                <a:spcPts val="0"/>
+              </a:spcBef>
+              <a:buNone/>
+            </a:pPr>
+            <a:r>
+              <a:rPr lang="en-CA" sz="2000" dirty="0">
+                <a:solidFill>
+                  <a:srgbClr val="0070C0"/>
+                </a:solidFill>
+              </a:rPr>
+              <a:t>Module 1</a:t>
+            </a:r>
+          </a:p>
+          <a:p>
+            <a:pPr marL="0" indent="0">
+              <a:spcBef>
+                <a:spcPts val="0"/>
+              </a:spcBef>
+              <a:buNone/>
+            </a:pPr>
+            <a:r>
+              <a:rPr lang="en-US" sz="2000" dirty="0"/>
+              <a:t>Introduction to Microsoft Azure</a:t>
+            </a:r>
+            <a:endParaRPr lang="en-CA" sz="2000" dirty="0">
+              <a:solidFill>
+                <a:srgbClr val="0070C0"/>
+              </a:solidFill>
+            </a:endParaRPr>
+          </a:p>
+          <a:p>
+            <a:pPr marL="0" indent="0">
+              <a:spcBef>
+                <a:spcPts val="0"/>
+              </a:spcBef>
+              <a:buNone/>
+            </a:pPr>
+            <a:endParaRPr lang="en-CA" sz="2000" dirty="0">
+              <a:solidFill>
+                <a:srgbClr val="0070C0"/>
+              </a:solidFill>
+            </a:endParaRPr>
+          </a:p>
+          <a:p>
+            <a:pPr marL="0" indent="0">
+              <a:spcBef>
+                <a:spcPts val="0"/>
+              </a:spcBef>
+              <a:buNone/>
+            </a:pPr>
+            <a:r>
+              <a:rPr lang="en-CA" sz="2000" dirty="0">
+                <a:solidFill>
+                  <a:srgbClr val="0070C0"/>
+                </a:solidFill>
+              </a:rPr>
+              <a:t>Module 2</a:t>
+            </a:r>
+          </a:p>
+          <a:p>
+            <a:pPr marL="0" indent="0">
+              <a:spcBef>
+                <a:spcPts val="0"/>
+              </a:spcBef>
+              <a:buNone/>
+            </a:pPr>
+            <a:r>
+              <a:rPr lang="en-US" sz="2000" dirty="0"/>
+              <a:t>Implementing and managing Azure networking </a:t>
+            </a:r>
+            <a:endParaRPr lang="en-CA" sz="2000" dirty="0">
+              <a:solidFill>
+                <a:srgbClr val="0070C0"/>
+              </a:solidFill>
+            </a:endParaRPr>
+          </a:p>
+          <a:p>
+            <a:pPr marL="0" indent="0">
+              <a:spcBef>
+                <a:spcPts val="0"/>
+              </a:spcBef>
+              <a:buNone/>
+            </a:pPr>
+            <a:endParaRPr lang="en-CA" sz="2000" dirty="0">
+              <a:solidFill>
+                <a:srgbClr val="0070C0"/>
+              </a:solidFill>
+            </a:endParaRPr>
+          </a:p>
+          <a:p>
+            <a:pPr marL="0" indent="0">
+              <a:spcBef>
+                <a:spcPts val="0"/>
+              </a:spcBef>
+              <a:buNone/>
+            </a:pPr>
+            <a:r>
+              <a:rPr lang="en-CA" sz="2000" dirty="0">
+                <a:solidFill>
+                  <a:srgbClr val="0070C0"/>
+                </a:solidFill>
+              </a:rPr>
+              <a:t>Module 3</a:t>
+            </a:r>
+          </a:p>
+          <a:p>
+            <a:pPr marL="0" indent="0">
+              <a:spcBef>
+                <a:spcPts val="0"/>
+              </a:spcBef>
+              <a:buNone/>
+            </a:pPr>
+            <a:r>
+              <a:rPr lang="en-US" sz="2000" dirty="0"/>
+              <a:t>Implementing virtual machines</a:t>
+            </a:r>
+            <a:br>
+              <a:rPr lang="en-US" sz="2000" dirty="0"/>
+            </a:br>
+            <a:endParaRPr lang="en-CA" sz="2000" dirty="0">
+              <a:solidFill>
+                <a:srgbClr val="0070C0"/>
+              </a:solidFill>
+            </a:endParaRPr>
+          </a:p>
+          <a:p>
+            <a:pPr marL="0" indent="0">
+              <a:spcBef>
+                <a:spcPts val="0"/>
+              </a:spcBef>
+              <a:buNone/>
+            </a:pPr>
+            <a:r>
+              <a:rPr lang="en-CA" sz="2000" dirty="0">
+                <a:solidFill>
+                  <a:srgbClr val="0070C0"/>
+                </a:solidFill>
+              </a:rPr>
+              <a:t>Module 4</a:t>
+            </a:r>
+          </a:p>
+          <a:p>
+            <a:pPr marL="0" indent="0">
+              <a:spcBef>
+                <a:spcPts val="0"/>
+              </a:spcBef>
+              <a:buNone/>
+            </a:pPr>
+            <a:r>
+              <a:rPr lang="en-US" sz="2000" dirty="0"/>
+              <a:t>Managing Azure VMs</a:t>
+            </a:r>
+            <a:endParaRPr lang="en-CA" sz="2000" dirty="0">
+              <a:solidFill>
+                <a:srgbClr val="0070C0"/>
+              </a:solidFill>
+            </a:endParaRPr>
+          </a:p>
+          <a:p>
+            <a:pPr marL="0" indent="0">
+              <a:spcBef>
+                <a:spcPts val="0"/>
+              </a:spcBef>
+              <a:buNone/>
+            </a:pPr>
+            <a:endParaRPr lang="en-CA" sz="2000" dirty="0">
+              <a:solidFill>
+                <a:srgbClr val="0070C0"/>
+              </a:solidFill>
+            </a:endParaRPr>
+          </a:p>
+          <a:p>
+            <a:pPr marL="0" indent="0">
+              <a:spcBef>
+                <a:spcPts val="0"/>
+              </a:spcBef>
+              <a:buNone/>
+            </a:pPr>
+            <a:r>
+              <a:rPr lang="en-CA" sz="2000" dirty="0">
+                <a:solidFill>
+                  <a:srgbClr val="0070C0"/>
+                </a:solidFill>
+              </a:rPr>
+              <a:t>Module 5</a:t>
+            </a:r>
+          </a:p>
+          <a:p>
+            <a:pPr marL="0" indent="0">
+              <a:spcBef>
+                <a:spcPts val="0"/>
+              </a:spcBef>
+              <a:buNone/>
+            </a:pPr>
+            <a:r>
+              <a:rPr lang="en-IN" sz="2000" dirty="0"/>
+              <a:t>Implementing Azure App Service</a:t>
+            </a:r>
+            <a:endParaRPr lang="en-US" dirty="0"/>
+          </a:p>
+        </p:txBody>
+      </p:sp>
+    </p:spTree>
+    <p:custDataLst>
+      <p:tags r:id="rId1"/>
+    </p:custDataLst>
+    <p:extLst>
+      <p:ext uri="{BB962C8B-B14F-4D97-AF65-F5344CB8AC3E}">
+        <p14:creationId xmlns:p14="http://schemas.microsoft.com/office/powerpoint/2010/main" val="1743810166"/>
+      </p:ext>
+    </p:extLst>
+  </p:cSld>
+  <p:clrMapOvr>
+    <a:masterClrMapping/>
+  </p:clrMapOvr>
+</p:sld>
+</file>
+
+<file path=ppt/slides/slide13.xml><?xml version="1.0" encoding="utf-8"?>
+<p:sld xmlns:a="http://schemas.openxmlformats.org/drawingml/2006/main" xmlns:r="http://schemas.openxmlformats.org/officeDocument/2006/relationships" xmlns:p="http://schemas.openxmlformats.org/presentationml/2006/main">
+  <p:cSld>
+    <p:spTree>
+      <p:nvGrpSpPr>
+        <p:cNvPr id="1" name=""/>
+        <p:cNvGrpSpPr/>
+        <p:nvPr/>
+      </p:nvGrpSpPr>
+      <p:grpSpPr>
+        <a:xfrm>
+          <a:off x="0" y="0"/>
+          <a:ext cx="0" cy="0"/>
+          <a:chOff x="0" y="0"/>
+          <a:chExt cx="0" cy="0"/>
+        </a:xfrm>
+      </p:grpSpPr>
+      <p:sp>
+        <p:nvSpPr>
+          <p:cNvPr id="2" name="Title 1"/>
+          <p:cNvSpPr>
+            <a:spLocks noGrp="1"/>
+          </p:cNvSpPr>
+          <p:nvPr>
+            <p:ph type="title"/>
+          </p:nvPr>
+        </p:nvSpPr>
+        <p:spPr/>
+        <p:txBody>
+          <a:bodyPr/>
+          <a:lstStyle/>
+          <a:p>
+            <a:r>
+              <a:rPr lang="en-US" dirty="0"/>
+              <a:t>Course outline </a:t>
+            </a:r>
+            <a:r>
+              <a:rPr lang="en-US" i="1" dirty="0"/>
+              <a:t>(continued)</a:t>
+            </a:r>
+            <a:endParaRPr lang="en-IE" i="1" dirty="0"/>
+          </a:p>
+        </p:txBody>
+      </p:sp>
+      <p:sp>
+        <p:nvSpPr>
+          <p:cNvPr id="5" name="Text Placeholder 2"/>
+          <p:cNvSpPr>
+            <a:spLocks noGrp="1"/>
+          </p:cNvSpPr>
+          <p:nvPr>
+            <p:ph type="body" sz="quarter" idx="13"/>
+          </p:nvPr>
+        </p:nvSpPr>
+        <p:spPr>
+          <a:xfrm>
+            <a:off x="457200" y="1066800"/>
+            <a:ext cx="7924800" cy="5105400"/>
+          </a:xfrm>
+        </p:spPr>
+        <p:txBody>
+          <a:bodyPr/>
+          <a:lstStyle/>
+          <a:p>
+            <a:pPr marL="0" indent="0">
+              <a:spcBef>
+                <a:spcPts val="0"/>
+              </a:spcBef>
+              <a:buNone/>
+            </a:pPr>
+            <a:r>
+              <a:rPr lang="en-CA" sz="2000" dirty="0">
+                <a:solidFill>
+                  <a:srgbClr val="0070C0"/>
+                </a:solidFill>
+              </a:rPr>
+              <a:t>Module 6</a:t>
+            </a:r>
+          </a:p>
+          <a:p>
+            <a:pPr marL="0" indent="0">
+              <a:spcBef>
+                <a:spcPts val="0"/>
+              </a:spcBef>
+              <a:buNone/>
+            </a:pPr>
+            <a:r>
+              <a:rPr lang="en-US" sz="2000" dirty="0"/>
+              <a:t>Planning and implementing storage, backup, and recovery services</a:t>
+            </a:r>
+          </a:p>
+          <a:p>
+            <a:pPr marL="0" indent="0">
+              <a:spcBef>
+                <a:spcPts val="0"/>
+              </a:spcBef>
+              <a:buNone/>
+            </a:pPr>
+            <a:endParaRPr lang="en-CA" sz="2000" dirty="0"/>
+          </a:p>
+          <a:p>
+            <a:pPr marL="0" indent="0">
+              <a:spcBef>
+                <a:spcPts val="0"/>
+              </a:spcBef>
+              <a:buNone/>
+            </a:pPr>
+            <a:r>
+              <a:rPr lang="en-CA" sz="2000" dirty="0">
+                <a:solidFill>
+                  <a:srgbClr val="0070C0"/>
+                </a:solidFill>
+              </a:rPr>
+              <a:t>Module 7</a:t>
+            </a:r>
+          </a:p>
+          <a:p>
+            <a:pPr marL="0" indent="0">
+              <a:spcBef>
+                <a:spcPts val="0"/>
+              </a:spcBef>
+              <a:buNone/>
+            </a:pPr>
+            <a:r>
+              <a:rPr lang="en-US" sz="2000" dirty="0"/>
+              <a:t>Implementing containers in Azure</a:t>
+            </a:r>
+          </a:p>
+          <a:p>
+            <a:pPr marL="0" indent="0">
+              <a:spcBef>
+                <a:spcPts val="0"/>
+              </a:spcBef>
+              <a:buNone/>
+            </a:pPr>
+            <a:endParaRPr lang="en-CA" sz="2000" dirty="0"/>
+          </a:p>
+          <a:p>
+            <a:pPr marL="0" indent="0">
+              <a:spcBef>
+                <a:spcPts val="0"/>
+              </a:spcBef>
+              <a:buNone/>
+            </a:pPr>
+            <a:r>
+              <a:rPr lang="en-CA" sz="2000" dirty="0">
+                <a:solidFill>
+                  <a:srgbClr val="0070C0"/>
+                </a:solidFill>
+              </a:rPr>
+              <a:t>Module 8</a:t>
+            </a:r>
+          </a:p>
+          <a:p>
+            <a:pPr marL="0" indent="0">
+              <a:spcBef>
+                <a:spcPts val="0"/>
+              </a:spcBef>
+              <a:buNone/>
+            </a:pPr>
+            <a:r>
+              <a:rPr lang="en-US" sz="2000" dirty="0"/>
+              <a:t>Implementing Azure Cloud Services</a:t>
+            </a:r>
+          </a:p>
+          <a:p>
+            <a:pPr marL="0" indent="0">
+              <a:spcBef>
+                <a:spcPts val="0"/>
+              </a:spcBef>
+              <a:buNone/>
+            </a:pPr>
+            <a:endParaRPr lang="en-CA" sz="2000" dirty="0"/>
+          </a:p>
+          <a:p>
+            <a:pPr marL="0" indent="0">
+              <a:spcBef>
+                <a:spcPts val="0"/>
+              </a:spcBef>
+              <a:buNone/>
+            </a:pPr>
+            <a:r>
+              <a:rPr lang="en-CA" sz="2000" dirty="0">
+                <a:solidFill>
+                  <a:srgbClr val="0070C0"/>
+                </a:solidFill>
+              </a:rPr>
+              <a:t>Module 9</a:t>
+            </a:r>
+          </a:p>
+          <a:p>
+            <a:pPr marL="0" indent="0">
+              <a:spcBef>
+                <a:spcPts val="0"/>
+              </a:spcBef>
+              <a:buNone/>
+            </a:pPr>
+            <a:r>
+              <a:rPr lang="en-US" sz="2000" dirty="0"/>
+              <a:t>Implementing Azure Active Directory</a:t>
+            </a:r>
+          </a:p>
+          <a:p>
+            <a:pPr marL="0" indent="0">
+              <a:spcBef>
+                <a:spcPts val="0"/>
+              </a:spcBef>
+              <a:buNone/>
+            </a:pPr>
+            <a:endParaRPr lang="en-CA" sz="2000" dirty="0"/>
+          </a:p>
+          <a:p>
+            <a:pPr marL="0" indent="0">
+              <a:spcBef>
+                <a:spcPts val="0"/>
+              </a:spcBef>
+              <a:buNone/>
+            </a:pPr>
+            <a:r>
+              <a:rPr lang="en-CA" sz="2000" dirty="0">
+                <a:solidFill>
+                  <a:srgbClr val="0070C0"/>
+                </a:solidFill>
+              </a:rPr>
+              <a:t>Module 10</a:t>
+            </a:r>
+          </a:p>
+          <a:p>
+            <a:pPr marL="0" indent="0">
+              <a:spcBef>
+                <a:spcPts val="0"/>
+              </a:spcBef>
+              <a:buNone/>
+            </a:pPr>
+            <a:r>
+              <a:rPr lang="en-US" sz="2000" dirty="0"/>
+              <a:t>Managing an Active Directory infrastructure in a hybrid environment</a:t>
+            </a:r>
+          </a:p>
+          <a:p>
+            <a:pPr marL="0" indent="0">
+              <a:spcBef>
+                <a:spcPts val="0"/>
+              </a:spcBef>
+              <a:buNone/>
+            </a:pPr>
+            <a:endParaRPr lang="en-US" dirty="0"/>
+          </a:p>
+          <a:p>
+            <a:pPr marL="0" indent="0">
+              <a:spcBef>
+                <a:spcPts val="0"/>
+              </a:spcBef>
+              <a:buNone/>
+            </a:pPr>
+            <a:r>
+              <a:rPr lang="en-CA" sz="2000" dirty="0">
+                <a:solidFill>
+                  <a:srgbClr val="0070C0"/>
+                </a:solidFill>
+              </a:rPr>
+              <a:t>Module 11</a:t>
+            </a:r>
+          </a:p>
+          <a:p>
+            <a:pPr marL="0" indent="0">
+              <a:spcBef>
+                <a:spcPts val="0"/>
+              </a:spcBef>
+              <a:buNone/>
+            </a:pPr>
+            <a:r>
+              <a:rPr lang="en-US" sz="2000" dirty="0"/>
+              <a:t>Implementing Azure-based management and automation</a:t>
+            </a:r>
+            <a:endParaRPr lang="en-CA" sz="2000" dirty="0">
+              <a:solidFill>
+                <a:srgbClr val="0070C0"/>
+              </a:solidFill>
+            </a:endParaRPr>
+          </a:p>
+          <a:p>
+            <a:pPr marL="0" indent="0">
+              <a:spcBef>
+                <a:spcPts val="0"/>
+              </a:spcBef>
+              <a:buNone/>
+            </a:pPr>
+            <a:endParaRPr lang="en-US" dirty="0"/>
+          </a:p>
+        </p:txBody>
+      </p:sp>
+    </p:spTree>
+    <p:custDataLst>
+      <p:tags r:id="rId1"/>
+    </p:custDataLst>
+    <p:extLst>
+      <p:ext uri="{BB962C8B-B14F-4D97-AF65-F5344CB8AC3E}">
+        <p14:creationId xmlns:p14="http://schemas.microsoft.com/office/powerpoint/2010/main" val="4156281064"/>
       </p:ext>
     </p:extLst>
   </p:cSld>
@@ -10264,7 +11710,13 @@
       </p:grpSpPr>
       <p:sp>
         <p:nvSpPr>
-          <p:cNvPr id="2" name="Title 1"/>
+          <p:cNvPr id="5" name="Title 4">
+            <a:extLst>
+              <a:ext uri="{FF2B5EF4-FFF2-40B4-BE49-F238E27FC236}">
+                <a16:creationId xmlns:a16="http://schemas.microsoft.com/office/drawing/2014/main" id="{9D04BB9F-E141-42F9-A316-1D0D174EDA8F}"/>
+              </a:ext>
+            </a:extLst>
+          </p:cNvPr>
           <p:cNvSpPr>
             <a:spLocks noGrp="1"/>
           </p:cNvSpPr>
@@ -10277,245 +11729,94 @@
           <a:bodyPr/>
           <a:lstStyle/>
           <a:p>
-            <a:r>
-              <a:rPr lang="en-US" dirty="0"/>
-              <a:t>Course outline</a:t>
-            </a:r>
-            <a:endParaRPr lang="en-IE" i="1" dirty="0"/>
-          </a:p>
-        </p:txBody>
-      </p:sp>
-      <p:sp>
-        <p:nvSpPr>
-          <p:cNvPr id="5" name="Text Placeholder 2"/>
-          <p:cNvSpPr>
-            <a:spLocks noGrp="1"/>
-          </p:cNvSpPr>
-          <p:nvPr>
-            <p:ph type="body" sz="quarter" idx="13"/>
-          </p:nvPr>
-        </p:nvSpPr>
-        <p:spPr>
-          <a:xfrm>
-            <a:off x="457200" y="1066800"/>
-            <a:ext cx="7924800" cy="5105400"/>
-          </a:xfrm>
-        </p:spPr>
+            <a:endParaRPr lang="en-US"/>
+          </a:p>
+        </p:txBody>
+      </p:sp>
+      <p:sp>
+        <p:nvSpPr>
+          <p:cNvPr id="6" name="Content Placeholder 5">
+            <a:extLst>
+              <a:ext uri="{FF2B5EF4-FFF2-40B4-BE49-F238E27FC236}">
+                <a16:creationId xmlns:a16="http://schemas.microsoft.com/office/drawing/2014/main" id="{93D6E194-B61E-4F8B-BF5F-E4EB6FA069F2}"/>
+              </a:ext>
+            </a:extLst>
+          </p:cNvPr>
+          <p:cNvSpPr>
+            <a:spLocks noGrp="1"/>
+          </p:cNvSpPr>
+          <p:nvPr>
+            <p:ph idx="1"/>
+          </p:nvPr>
+        </p:nvSpPr>
+        <p:spPr/>
         <p:txBody>
           <a:bodyPr/>
           <a:lstStyle/>
           <a:p>
-            <a:pPr marL="0" indent="0">
-              <a:spcBef>
-                <a:spcPts val="0"/>
-              </a:spcBef>
-              <a:buNone/>
-            </a:pPr>
-            <a:r>
-              <a:rPr lang="en-CA" sz="2000" dirty="0">
-                <a:solidFill>
-                  <a:srgbClr val="0070C0"/>
-                </a:solidFill>
-              </a:rPr>
-              <a:t>Module 1</a:t>
-            </a:r>
-          </a:p>
-          <a:p>
-            <a:pPr marL="0" indent="0">
-              <a:spcBef>
-                <a:spcPts val="0"/>
-              </a:spcBef>
-              <a:buNone/>
-            </a:pPr>
-            <a:r>
-              <a:rPr lang="en-US" sz="2000" dirty="0"/>
-              <a:t>Introduction to Microsoft Azure</a:t>
-            </a:r>
-            <a:endParaRPr lang="en-CA" sz="2000" dirty="0">
-              <a:solidFill>
-                <a:srgbClr val="0070C0"/>
-              </a:solidFill>
-            </a:endParaRPr>
-          </a:p>
-          <a:p>
-            <a:pPr marL="0" indent="0">
-              <a:spcBef>
-                <a:spcPts val="0"/>
-              </a:spcBef>
-              <a:buNone/>
-            </a:pPr>
-            <a:endParaRPr lang="en-CA" sz="2000" dirty="0">
-              <a:solidFill>
-                <a:srgbClr val="0070C0"/>
-              </a:solidFill>
-            </a:endParaRPr>
-          </a:p>
-          <a:p>
-            <a:pPr marL="0" indent="0">
-              <a:spcBef>
-                <a:spcPts val="0"/>
-              </a:spcBef>
-              <a:buNone/>
-            </a:pPr>
-            <a:r>
-              <a:rPr lang="en-CA" sz="2000" dirty="0">
-                <a:solidFill>
-                  <a:srgbClr val="0070C0"/>
-                </a:solidFill>
-              </a:rPr>
-              <a:t>Module 2</a:t>
-            </a:r>
-          </a:p>
-          <a:p>
-            <a:pPr marL="0" indent="0">
-              <a:spcBef>
-                <a:spcPts val="0"/>
-              </a:spcBef>
-              <a:buNone/>
-            </a:pPr>
-            <a:r>
-              <a:rPr lang="en-US" sz="2000" dirty="0"/>
-              <a:t>Implementing and managing Azure networking </a:t>
-            </a:r>
-            <a:endParaRPr lang="en-CA" sz="2000" dirty="0">
-              <a:solidFill>
-                <a:srgbClr val="0070C0"/>
-              </a:solidFill>
-            </a:endParaRPr>
-          </a:p>
-          <a:p>
-            <a:pPr marL="0" indent="0">
-              <a:spcBef>
-                <a:spcPts val="0"/>
-              </a:spcBef>
-              <a:buNone/>
-            </a:pPr>
-            <a:endParaRPr lang="en-CA" sz="2000" dirty="0">
-              <a:solidFill>
-                <a:srgbClr val="0070C0"/>
-              </a:solidFill>
-            </a:endParaRPr>
-          </a:p>
-          <a:p>
-            <a:pPr marL="0" indent="0">
-              <a:spcBef>
-                <a:spcPts val="0"/>
-              </a:spcBef>
-              <a:buNone/>
-            </a:pPr>
-            <a:r>
-              <a:rPr lang="en-CA" sz="2000" dirty="0">
-                <a:solidFill>
-                  <a:srgbClr val="0070C0"/>
-                </a:solidFill>
-              </a:rPr>
-              <a:t>Module 3</a:t>
-            </a:r>
-          </a:p>
-          <a:p>
-            <a:pPr marL="0" indent="0">
-              <a:spcBef>
-                <a:spcPts val="0"/>
-              </a:spcBef>
-              <a:buNone/>
-            </a:pPr>
-            <a:r>
-              <a:rPr lang="en-US" sz="2000" dirty="0"/>
-              <a:t>Implementing virtual machines</a:t>
-            </a:r>
-            <a:br>
-              <a:rPr lang="en-US" sz="2000" dirty="0"/>
-            </a:br>
-            <a:endParaRPr lang="en-CA" sz="2000" dirty="0">
-              <a:solidFill>
-                <a:srgbClr val="0070C0"/>
-              </a:solidFill>
-            </a:endParaRPr>
-          </a:p>
-          <a:p>
-            <a:pPr marL="0" indent="0">
-              <a:spcBef>
-                <a:spcPts val="0"/>
-              </a:spcBef>
-              <a:buNone/>
-            </a:pPr>
-            <a:r>
-              <a:rPr lang="en-CA" sz="2000" dirty="0">
-                <a:solidFill>
-                  <a:srgbClr val="0070C0"/>
-                </a:solidFill>
-              </a:rPr>
-              <a:t>Module 4</a:t>
-            </a:r>
-          </a:p>
-          <a:p>
-            <a:pPr marL="0" indent="0">
-              <a:spcBef>
-                <a:spcPts val="0"/>
-              </a:spcBef>
-              <a:buNone/>
-            </a:pPr>
-            <a:r>
-              <a:rPr lang="en-US" sz="2000" dirty="0"/>
-              <a:t>Managing Azure VMs</a:t>
-            </a:r>
-            <a:endParaRPr lang="en-CA" sz="2000" dirty="0">
-              <a:solidFill>
-                <a:srgbClr val="0070C0"/>
-              </a:solidFill>
-            </a:endParaRPr>
-          </a:p>
-          <a:p>
-            <a:pPr marL="0" indent="0">
-              <a:spcBef>
-                <a:spcPts val="0"/>
-              </a:spcBef>
-              <a:buNone/>
-            </a:pPr>
-            <a:endParaRPr lang="en-CA" sz="2000" dirty="0">
-              <a:solidFill>
-                <a:srgbClr val="0070C0"/>
-              </a:solidFill>
-            </a:endParaRPr>
-          </a:p>
-          <a:p>
-            <a:pPr marL="0" indent="0">
-              <a:spcBef>
-                <a:spcPts val="0"/>
-              </a:spcBef>
-              <a:buNone/>
-            </a:pPr>
-            <a:r>
-              <a:rPr lang="en-CA" sz="2000" dirty="0">
-                <a:solidFill>
-                  <a:srgbClr val="0070C0"/>
-                </a:solidFill>
-              </a:rPr>
-              <a:t>Module 5</a:t>
-            </a:r>
-          </a:p>
-          <a:p>
-            <a:pPr marL="0" indent="0">
-              <a:spcBef>
-                <a:spcPts val="0"/>
-              </a:spcBef>
-              <a:buNone/>
-            </a:pPr>
-            <a:r>
-              <a:rPr lang="en-IN" sz="2000" dirty="0"/>
-              <a:t>Implementing Azure App Service</a:t>
-            </a:r>
+            <a:endParaRPr lang="en-US"/>
+          </a:p>
+        </p:txBody>
+      </p:sp>
+      <p:sp>
+        <p:nvSpPr>
+          <p:cNvPr id="7" name="Text Placeholder 6">
+            <a:extLst>
+              <a:ext uri="{FF2B5EF4-FFF2-40B4-BE49-F238E27FC236}">
+                <a16:creationId xmlns:a16="http://schemas.microsoft.com/office/drawing/2014/main" id="{D9E8A0E4-5170-4F11-80FA-31A537853D2B}"/>
+              </a:ext>
+            </a:extLst>
+          </p:cNvPr>
+          <p:cNvSpPr>
+            <a:spLocks noGrp="1"/>
+          </p:cNvSpPr>
+          <p:nvPr>
+            <p:ph type="body" sz="quarter" idx="10"/>
+          </p:nvPr>
+        </p:nvSpPr>
+        <p:spPr/>
+        <p:txBody>
+          <a:bodyPr/>
+          <a:lstStyle/>
+          <a:p>
+            <a:endParaRPr lang="en-US"/>
+          </a:p>
+        </p:txBody>
+      </p:sp>
+      <p:sp>
+        <p:nvSpPr>
+          <p:cNvPr id="3" name="Slide Number Placeholder 2">
+            <a:extLst>
+              <a:ext uri="{FF2B5EF4-FFF2-40B4-BE49-F238E27FC236}">
+                <a16:creationId xmlns:a16="http://schemas.microsoft.com/office/drawing/2014/main" id="{75B8B1B3-88A7-49BC-8D62-AC05ED81B8AC}"/>
+              </a:ext>
+            </a:extLst>
+          </p:cNvPr>
+          <p:cNvSpPr>
+            <a:spLocks noGrp="1"/>
+          </p:cNvSpPr>
+          <p:nvPr>
+            <p:ph type="sldNum" sz="quarter" idx="4294967295"/>
+          </p:nvPr>
+        </p:nvSpPr>
+        <p:spPr/>
+        <p:txBody>
+          <a:bodyPr/>
+          <a:lstStyle/>
+          <a:p>
+            <a:fld id="{D814DA60-3BEE-4BCE-BEDB-E433FD970963}" type="slidenum">
+              <a:rPr lang="en-US" smtClean="0"/>
+              <a:pPr/>
+              <a:t>8</a:t>
+            </a:fld>
             <a:endParaRPr lang="en-US" dirty="0"/>
           </a:p>
         </p:txBody>
       </p:sp>
     </p:spTree>
-    <p:custDataLst>
-      <p:tags r:id="rId1"/>
-    </p:custDataLst>
     <p:extLst>
       <p:ext uri="{BB962C8B-B14F-4D97-AF65-F5344CB8AC3E}">
-        <p14:creationId xmlns:p14="http://schemas.microsoft.com/office/powerpoint/2010/main" val="1743810166"/>
+        <p14:creationId xmlns:p14="http://schemas.microsoft.com/office/powerpoint/2010/main" val="1660010016"/>
       </p:ext>
     </p:extLst>
   </p:cSld>
@@ -10544,7 +11845,13 @@
       </p:grpSpPr>
       <p:sp>
         <p:nvSpPr>
-          <p:cNvPr id="2" name="Title 1"/>
+          <p:cNvPr id="5" name="Title 4">
+            <a:extLst>
+              <a:ext uri="{FF2B5EF4-FFF2-40B4-BE49-F238E27FC236}">
+                <a16:creationId xmlns:a16="http://schemas.microsoft.com/office/drawing/2014/main" id="{36FE783F-D58D-420E-9C69-334690739020}"/>
+              </a:ext>
+            </a:extLst>
+          </p:cNvPr>
           <p:cNvSpPr>
             <a:spLocks noGrp="1"/>
           </p:cNvSpPr>
@@ -10557,273 +11864,94 @@
           <a:bodyPr/>
           <a:lstStyle/>
           <a:p>
-            <a:r>
-              <a:rPr lang="en-US" dirty="0"/>
-              <a:t>Course outline </a:t>
-            </a:r>
-            <a:r>
-              <a:rPr lang="en-US" i="1" dirty="0"/>
-              <a:t>(continued)</a:t>
-            </a:r>
-            <a:endParaRPr lang="en-IE" i="1" dirty="0"/>
-          </a:p>
-        </p:txBody>
-      </p:sp>
-      <p:sp>
-        <p:nvSpPr>
-          <p:cNvPr id="5" name="Text Placeholder 2"/>
-          <p:cNvSpPr>
-            <a:spLocks noGrp="1"/>
-          </p:cNvSpPr>
-          <p:nvPr>
-            <p:ph type="body" sz="quarter" idx="13"/>
-          </p:nvPr>
-        </p:nvSpPr>
-        <p:spPr>
-          <a:xfrm>
-            <a:off x="457200" y="1066800"/>
-            <a:ext cx="7924800" cy="5105400"/>
-          </a:xfrm>
-        </p:spPr>
+            <a:endParaRPr lang="en-US"/>
+          </a:p>
+        </p:txBody>
+      </p:sp>
+      <p:sp>
+        <p:nvSpPr>
+          <p:cNvPr id="6" name="Content Placeholder 5">
+            <a:extLst>
+              <a:ext uri="{FF2B5EF4-FFF2-40B4-BE49-F238E27FC236}">
+                <a16:creationId xmlns:a16="http://schemas.microsoft.com/office/drawing/2014/main" id="{2320E3CF-25BE-47A6-B82E-29588B84D847}"/>
+              </a:ext>
+            </a:extLst>
+          </p:cNvPr>
+          <p:cNvSpPr>
+            <a:spLocks noGrp="1"/>
+          </p:cNvSpPr>
+          <p:nvPr>
+            <p:ph idx="1"/>
+          </p:nvPr>
+        </p:nvSpPr>
+        <p:spPr/>
         <p:txBody>
           <a:bodyPr/>
           <a:lstStyle/>
           <a:p>
-            <a:pPr marL="0" indent="0">
-              <a:spcBef>
-                <a:spcPts val="0"/>
-              </a:spcBef>
-              <a:buNone/>
-            </a:pPr>
-            <a:r>
-              <a:rPr lang="en-CA" sz="2000" dirty="0">
-                <a:solidFill>
-                  <a:srgbClr val="0070C0"/>
-                </a:solidFill>
-              </a:rPr>
-              <a:t>Module 6</a:t>
-            </a:r>
-          </a:p>
-          <a:p>
-            <a:pPr marL="0" indent="0">
-              <a:spcBef>
-                <a:spcPts val="0"/>
-              </a:spcBef>
-              <a:buNone/>
-            </a:pPr>
-            <a:r>
-              <a:rPr lang="en-US" sz="2000" dirty="0"/>
-              <a:t>Planning and implementing storage, backup, and recovery services</a:t>
-            </a:r>
-          </a:p>
-          <a:p>
-            <a:pPr marL="0" indent="0">
-              <a:spcBef>
-                <a:spcPts val="0"/>
-              </a:spcBef>
-              <a:buNone/>
-            </a:pPr>
-            <a:endParaRPr lang="en-CA" sz="2000" dirty="0"/>
-          </a:p>
-          <a:p>
-            <a:pPr marL="0" indent="0">
-              <a:spcBef>
-                <a:spcPts val="0"/>
-              </a:spcBef>
-              <a:buNone/>
-            </a:pPr>
-            <a:r>
-              <a:rPr lang="en-CA" sz="2000" dirty="0">
-                <a:solidFill>
-                  <a:srgbClr val="0070C0"/>
-                </a:solidFill>
-              </a:rPr>
-              <a:t>Module 7</a:t>
-            </a:r>
-          </a:p>
-          <a:p>
-            <a:pPr marL="0" indent="0">
-              <a:spcBef>
-                <a:spcPts val="0"/>
-              </a:spcBef>
-              <a:buNone/>
-            </a:pPr>
-            <a:r>
-              <a:rPr lang="en-US" sz="2000" dirty="0"/>
-              <a:t>Implementing containers in Azure</a:t>
-            </a:r>
-          </a:p>
-          <a:p>
-            <a:pPr marL="0" indent="0">
-              <a:spcBef>
-                <a:spcPts val="0"/>
-              </a:spcBef>
-              <a:buNone/>
-            </a:pPr>
-            <a:endParaRPr lang="en-CA" sz="2000" dirty="0"/>
-          </a:p>
-          <a:p>
-            <a:pPr marL="0" indent="0">
-              <a:spcBef>
-                <a:spcPts val="0"/>
-              </a:spcBef>
-              <a:buNone/>
-            </a:pPr>
-            <a:r>
-              <a:rPr lang="en-CA" sz="2000" dirty="0">
-                <a:solidFill>
-                  <a:srgbClr val="0070C0"/>
-                </a:solidFill>
-              </a:rPr>
-              <a:t>Module 8</a:t>
-            </a:r>
-          </a:p>
-          <a:p>
-            <a:pPr marL="0" indent="0">
-              <a:spcBef>
-                <a:spcPts val="0"/>
-              </a:spcBef>
-              <a:buNone/>
-            </a:pPr>
-            <a:r>
-              <a:rPr lang="en-US" sz="2000" dirty="0"/>
-              <a:t>Implementing Azure Cloud Services</a:t>
-            </a:r>
-          </a:p>
-          <a:p>
-            <a:pPr marL="0" indent="0">
-              <a:spcBef>
-                <a:spcPts val="0"/>
-              </a:spcBef>
-              <a:buNone/>
-            </a:pPr>
-            <a:endParaRPr lang="en-CA" sz="2000" dirty="0"/>
-          </a:p>
-          <a:p>
-            <a:pPr marL="0" indent="0">
-              <a:spcBef>
-                <a:spcPts val="0"/>
-              </a:spcBef>
-              <a:buNone/>
-            </a:pPr>
-            <a:r>
-              <a:rPr lang="en-CA" sz="2000" dirty="0">
-                <a:solidFill>
-                  <a:srgbClr val="0070C0"/>
-                </a:solidFill>
-              </a:rPr>
-              <a:t>Module 9</a:t>
-            </a:r>
-          </a:p>
-          <a:p>
-            <a:pPr marL="0" indent="0">
-              <a:spcBef>
-                <a:spcPts val="0"/>
-              </a:spcBef>
-              <a:buNone/>
-            </a:pPr>
-            <a:r>
-              <a:rPr lang="en-US" sz="2000" dirty="0"/>
-              <a:t>Implementing Azure Active Directory</a:t>
-            </a:r>
-          </a:p>
-          <a:p>
-            <a:pPr marL="0" indent="0">
-              <a:spcBef>
-                <a:spcPts val="0"/>
-              </a:spcBef>
-              <a:buNone/>
-            </a:pPr>
-            <a:endParaRPr lang="en-CA" sz="2000" dirty="0"/>
-          </a:p>
-          <a:p>
-            <a:pPr marL="0" indent="0">
-              <a:spcBef>
-                <a:spcPts val="0"/>
-              </a:spcBef>
-              <a:buNone/>
-            </a:pPr>
-            <a:r>
-              <a:rPr lang="en-CA" sz="2000" dirty="0">
-                <a:solidFill>
-                  <a:srgbClr val="0070C0"/>
-                </a:solidFill>
-              </a:rPr>
-              <a:t>Module 10</a:t>
-            </a:r>
-          </a:p>
-          <a:p>
-            <a:pPr marL="0" indent="0">
-              <a:spcBef>
-                <a:spcPts val="0"/>
-              </a:spcBef>
-              <a:buNone/>
-            </a:pPr>
-            <a:r>
-              <a:rPr lang="en-US" sz="2000" dirty="0"/>
-              <a:t>Managing an Active Directory infrastructure in a hybrid environment</a:t>
-            </a:r>
-          </a:p>
-          <a:p>
-            <a:pPr marL="0" indent="0">
-              <a:spcBef>
-                <a:spcPts val="0"/>
-              </a:spcBef>
-              <a:buNone/>
-            </a:pPr>
+            <a:endParaRPr lang="en-US"/>
+          </a:p>
+        </p:txBody>
+      </p:sp>
+      <p:sp>
+        <p:nvSpPr>
+          <p:cNvPr id="7" name="Text Placeholder 6">
+            <a:extLst>
+              <a:ext uri="{FF2B5EF4-FFF2-40B4-BE49-F238E27FC236}">
+                <a16:creationId xmlns:a16="http://schemas.microsoft.com/office/drawing/2014/main" id="{44EC2571-AD16-43B3-8B8B-42CCE7C894C1}"/>
+              </a:ext>
+            </a:extLst>
+          </p:cNvPr>
+          <p:cNvSpPr>
+            <a:spLocks noGrp="1"/>
+          </p:cNvSpPr>
+          <p:nvPr>
+            <p:ph type="body" sz="quarter" idx="10"/>
+          </p:nvPr>
+        </p:nvSpPr>
+        <p:spPr/>
+        <p:txBody>
+          <a:bodyPr/>
+          <a:lstStyle/>
+          <a:p>
+            <a:endParaRPr lang="en-US"/>
+          </a:p>
+        </p:txBody>
+      </p:sp>
+      <p:sp>
+        <p:nvSpPr>
+          <p:cNvPr id="3" name="Slide Number Placeholder 2">
+            <a:extLst>
+              <a:ext uri="{FF2B5EF4-FFF2-40B4-BE49-F238E27FC236}">
+                <a16:creationId xmlns:a16="http://schemas.microsoft.com/office/drawing/2014/main" id="{10B343E8-0715-4AB3-9868-A3EC0D66CF33}"/>
+              </a:ext>
+            </a:extLst>
+          </p:cNvPr>
+          <p:cNvSpPr>
+            <a:spLocks noGrp="1"/>
+          </p:cNvSpPr>
+          <p:nvPr>
+            <p:ph type="sldNum" sz="quarter" idx="4294967295"/>
+          </p:nvPr>
+        </p:nvSpPr>
+        <p:spPr/>
+        <p:txBody>
+          <a:bodyPr/>
+          <a:lstStyle/>
+          <a:p>
+            <a:fld id="{D814DA60-3BEE-4BCE-BEDB-E433FD970963}" type="slidenum">
+              <a:rPr lang="en-US" smtClean="0"/>
+              <a:pPr/>
+              <a:t>9</a:t>
+            </a:fld>
             <a:endParaRPr lang="en-US" dirty="0"/>
           </a:p>
-          <a:p>
-            <a:pPr marL="0" indent="0">
-              <a:spcBef>
-                <a:spcPts val="0"/>
-              </a:spcBef>
-              <a:buNone/>
-            </a:pPr>
-            <a:r>
-              <a:rPr lang="en-CA" sz="2000" dirty="0">
-                <a:solidFill>
-                  <a:srgbClr val="0070C0"/>
-                </a:solidFill>
-              </a:rPr>
-              <a:t>Module 11</a:t>
-            </a:r>
-          </a:p>
-          <a:p>
-            <a:pPr marL="0" indent="0">
-              <a:spcBef>
-                <a:spcPts val="0"/>
-              </a:spcBef>
-              <a:buNone/>
-            </a:pPr>
-            <a:r>
-              <a:rPr lang="en-US" sz="2000" dirty="0"/>
-              <a:t>Implementing Azure-based management and automation</a:t>
-            </a:r>
-            <a:endParaRPr lang="en-CA" sz="2000" dirty="0">
-              <a:solidFill>
-                <a:srgbClr val="0070C0"/>
-              </a:solidFill>
-            </a:endParaRPr>
-          </a:p>
-          <a:p>
-            <a:pPr marL="0" indent="0">
-              <a:spcBef>
-                <a:spcPts val="0"/>
-              </a:spcBef>
-              <a:buNone/>
-            </a:pPr>
-            <a:endParaRPr lang="en-US" dirty="0"/>
-          </a:p>
         </p:txBody>
       </p:sp>
     </p:spTree>
-    <p:custDataLst>
-      <p:tags r:id="rId1"/>
-    </p:custDataLst>
     <p:extLst>
       <p:ext uri="{BB962C8B-B14F-4D97-AF65-F5344CB8AC3E}">
-        <p14:creationId xmlns:p14="http://schemas.microsoft.com/office/powerpoint/2010/main" val="4156281064"/>
+        <p14:creationId xmlns:p14="http://schemas.microsoft.com/office/powerpoint/2010/main" val="3151204419"/>
       </p:ext>
     </p:extLst>
   </p:cSld>
